--- a/fuentes/contenidos/grado08/guion01/MC_LE_08_01_CO.pptx
+++ b/fuentes/contenidos/grado08/guion01/MC_LE_08_01_CO.pptx
@@ -1091,7 +1091,7 @@
           <a:p>
             <a:fld id="{5001C876-01F7-4317-94B9-1AE222133113}" type="datetimeFigureOut">
               <a:rPr lang="es-ES" smtClean="0"/>
-              <a:t>23/07/2015</a:t>
+              <a:t>03/08/2015</a:t>
             </a:fld>
             <a:endParaRPr lang="es-ES"/>
           </a:p>
@@ -1721,7 +1721,7 @@
         </p:nvSpPr>
         <p:spPr>
           <a:xfrm>
-            <a:off x="404555" y="972457"/>
+            <a:off x="566348" y="879857"/>
             <a:ext cx="1124746" cy="439782"/>
           </a:xfrm>
           <a:prstGeom prst="rect">
@@ -1764,7 +1764,7 @@
             <a:pPr algn="ctr"/>
             <a:r>
               <a:rPr lang="es-ES" sz="1200" b="1" dirty="0" smtClean="0"/>
-              <a:t>Colombia precolombina</a:t>
+              <a:t>Literatura</a:t>
             </a:r>
             <a:endParaRPr lang="es-ES" sz="1200" b="1" dirty="0"/>
           </a:p>
@@ -1773,14 +1773,12 @@
       <p:cxnSp>
         <p:nvCxnSpPr>
           <p:cNvPr id="12" name="Conector angular 11"/>
-          <p:cNvCxnSpPr>
-            <a:stCxn id="4" idx="2"/>
-          </p:cNvCxnSpPr>
+          <p:cNvCxnSpPr/>
           <p:nvPr/>
         </p:nvCxnSpPr>
         <p:spPr>
           <a:xfrm rot="5400000">
-            <a:off x="2818022" y="-1373853"/>
+            <a:off x="2826670" y="-1373470"/>
             <a:ext cx="116368" cy="3750782"/>
           </a:xfrm>
           <a:prstGeom prst="bentConnector2">
@@ -1815,7 +1813,7 @@
         </p:nvCxnSpPr>
         <p:spPr>
           <a:xfrm rot="16200000" flipH="1">
-            <a:off x="857576" y="1453855"/>
+            <a:off x="967847" y="1377168"/>
             <a:ext cx="85581" cy="2348"/>
           </a:xfrm>
           <a:prstGeom prst="bentConnector3">
@@ -1852,8 +1850,8 @@
         </p:nvSpPr>
         <p:spPr>
           <a:xfrm>
-            <a:off x="362012" y="1880092"/>
-            <a:ext cx="1022496" cy="357473"/>
+            <a:off x="440002" y="1558166"/>
+            <a:ext cx="2314687" cy="357473"/>
           </a:xfrm>
           <a:prstGeom prst="rect">
             <a:avLst/>
@@ -1894,79 +1892,13 @@
                   <a:schemeClr val="bg1"/>
                 </a:solidFill>
               </a:rPr>
-              <a:t>Culturas precolombinas</a:t>
+              <a:t>La literatura colombiana de la época Precolombina</a:t>
             </a:r>
             <a:endParaRPr lang="es-ES" sz="1050" dirty="0">
               <a:solidFill>
                 <a:schemeClr val="bg1"/>
               </a:solidFill>
             </a:endParaRPr>
-          </a:p>
-        </p:txBody>
-      </p:sp>
-      <p:cxnSp>
-        <p:nvCxnSpPr>
-          <p:cNvPr id="45" name="Conector angular 44"/>
-          <p:cNvCxnSpPr/>
-          <p:nvPr/>
-        </p:nvCxnSpPr>
-        <p:spPr>
-          <a:xfrm rot="10800000" flipV="1">
-            <a:off x="898491" y="1581239"/>
-            <a:ext cx="460462" cy="273619"/>
-          </a:xfrm>
-          <a:prstGeom prst="bentConnector2">
-            <a:avLst/>
-          </a:prstGeom>
-          <a:ln w="12700">
-            <a:solidFill>
-              <a:schemeClr val="tx1"/>
-            </a:solidFill>
-          </a:ln>
-        </p:spPr>
-        <p:style>
-          <a:lnRef idx="1">
-            <a:schemeClr val="accent1"/>
-          </a:lnRef>
-          <a:fillRef idx="0">
-            <a:schemeClr val="accent1"/>
-          </a:fillRef>
-          <a:effectRef idx="0">
-            <a:schemeClr val="accent1"/>
-          </a:effectRef>
-          <a:fontRef idx="minor">
-            <a:schemeClr val="tx1"/>
-          </a:fontRef>
-        </p:style>
-      </p:cxnSp>
-      <p:sp>
-        <p:nvSpPr>
-          <p:cNvPr id="67" name="CuadroTexto 66" descr="Conector entre nodos" title="conector"/>
-          <p:cNvSpPr txBox="1"/>
-          <p:nvPr/>
-        </p:nvSpPr>
-        <p:spPr>
-          <a:xfrm>
-            <a:off x="271747" y="2338536"/>
-            <a:ext cx="1117174" cy="230836"/>
-          </a:xfrm>
-          <a:prstGeom prst="rect">
-            <a:avLst/>
-          </a:prstGeom>
-          <a:noFill/>
-        </p:spPr>
-        <p:txBody>
-          <a:bodyPr wrap="square" rtlCol="0">
-            <a:spAutoFit/>
-          </a:bodyPr>
-          <a:lstStyle/>
-          <a:p>
-            <a:pPr algn="ctr"/>
-            <a:r>
-              <a:rPr lang="es-ES" sz="900" dirty="0" smtClean="0"/>
-              <a:t>algunas son</a:t>
-            </a:r>
-            <a:endParaRPr lang="es-ES" sz="900" dirty="0"/>
           </a:p>
         </p:txBody>
       </p:sp>
@@ -1978,8 +1910,8 @@
         </p:nvSpPr>
         <p:spPr>
           <a:xfrm>
-            <a:off x="228532" y="2995026"/>
-            <a:ext cx="1122431" cy="1519593"/>
+            <a:off x="421560" y="3111460"/>
+            <a:ext cx="1075875" cy="1519593"/>
           </a:xfrm>
           <a:prstGeom prst="rect">
             <a:avLst/>
@@ -2018,13 +1950,40 @@
               <a:buChar char="•"/>
             </a:pPr>
             <a:r>
+              <a:rPr lang="es-ES" sz="900" dirty="0">
+                <a:solidFill>
+                  <a:schemeClr val="tx1"/>
+                </a:solidFill>
+              </a:rPr>
+              <a:t>t</a:t>
+            </a:r>
+            <a:r>
               <a:rPr lang="es-ES" sz="900" dirty="0" smtClean="0">
                 <a:solidFill>
                   <a:schemeClr val="tx1"/>
                 </a:solidFill>
               </a:rPr>
-              <a:t>Muisca</a:t>
-            </a:r>
+              <a:t>ransmitirse de forma oral</a:t>
+            </a:r>
+          </a:p>
+          <a:p>
+            <a:pPr marL="171450" indent="-171450">
+              <a:buFont typeface="Arial"/>
+              <a:buChar char="•"/>
+            </a:pPr>
+            <a:r>
+              <a:rPr lang="es-ES" sz="900" smtClean="0">
+                <a:solidFill>
+                  <a:schemeClr val="tx1"/>
+                </a:solidFill>
+              </a:rPr>
+              <a:t>ser anónima</a:t>
+            </a:r>
+            <a:endParaRPr lang="es-ES" sz="900" dirty="0" smtClean="0">
+              <a:solidFill>
+                <a:schemeClr val="tx1"/>
+              </a:solidFill>
+            </a:endParaRPr>
           </a:p>
           <a:p>
             <a:pPr marL="171450" indent="-171450">
@@ -2037,119 +1996,20 @@
                   <a:schemeClr val="tx1"/>
                 </a:solidFill>
               </a:rPr>
-              <a:t>San Agustín</a:t>
-            </a:r>
-          </a:p>
-          <a:p>
-            <a:pPr marL="171450" indent="-171450">
-              <a:buFont typeface="Arial"/>
-              <a:buChar char="•"/>
-            </a:pPr>
-            <a:r>
-              <a:rPr lang="es-ES" sz="900" dirty="0" err="1" smtClean="0">
-                <a:solidFill>
-                  <a:schemeClr val="tx1"/>
-                </a:solidFill>
-              </a:rPr>
-              <a:t>Tairona</a:t>
-            </a:r>
-            <a:endParaRPr lang="es-ES" sz="900" dirty="0" smtClean="0">
-              <a:solidFill>
-                <a:schemeClr val="tx1"/>
-              </a:solidFill>
-            </a:endParaRPr>
-          </a:p>
-          <a:p>
-            <a:pPr marL="171450" indent="-171450">
-              <a:buFont typeface="Arial"/>
-              <a:buChar char="•"/>
-            </a:pPr>
-            <a:r>
-              <a:rPr lang="es-ES" sz="900" dirty="0" smtClean="0">
-                <a:solidFill>
-                  <a:schemeClr val="tx1"/>
-                </a:solidFill>
-              </a:rPr>
-              <a:t>Quimbaya</a:t>
-            </a:r>
-          </a:p>
-          <a:p>
-            <a:pPr marL="171450" indent="-171450">
-              <a:buFont typeface="Arial"/>
-              <a:buChar char="•"/>
-            </a:pPr>
-            <a:r>
-              <a:rPr lang="es-ES" sz="900" dirty="0" err="1" smtClean="0">
-                <a:solidFill>
-                  <a:schemeClr val="tx1"/>
-                </a:solidFill>
-              </a:rPr>
-              <a:t>Zenú</a:t>
-            </a:r>
-            <a:endParaRPr lang="es-ES" sz="900" dirty="0" smtClean="0">
-              <a:solidFill>
-                <a:schemeClr val="tx1"/>
-              </a:solidFill>
-            </a:endParaRPr>
-          </a:p>
-          <a:p>
-            <a:pPr marL="171450" indent="-171450">
-              <a:buFont typeface="Arial"/>
-              <a:buChar char="•"/>
-            </a:pPr>
-            <a:r>
-              <a:rPr lang="es-ES" sz="900" dirty="0" err="1" smtClean="0">
-                <a:solidFill>
-                  <a:schemeClr val="tx1"/>
-                </a:solidFill>
-              </a:rPr>
-              <a:t>Yotoco</a:t>
-            </a:r>
-            <a:endParaRPr lang="es-ES" sz="900" dirty="0" smtClean="0">
-              <a:solidFill>
-                <a:schemeClr val="tx1"/>
-              </a:solidFill>
-            </a:endParaRPr>
-          </a:p>
-          <a:p>
-            <a:pPr marL="171450" indent="-171450">
-              <a:buFont typeface="Arial"/>
-              <a:buChar char="•"/>
-            </a:pPr>
-            <a:r>
-              <a:rPr lang="es-ES" sz="900" dirty="0" smtClean="0">
-                <a:solidFill>
-                  <a:schemeClr val="tx1"/>
-                </a:solidFill>
-              </a:rPr>
-              <a:t>Calima</a:t>
-            </a:r>
-          </a:p>
-          <a:p>
-            <a:pPr marL="171450" indent="-171450" algn="ctr">
-              <a:buFont typeface="Arial"/>
-              <a:buChar char="•"/>
-            </a:pPr>
-            <a:endParaRPr lang="es-ES" sz="900" dirty="0" smtClean="0">
-              <a:solidFill>
-                <a:schemeClr val="tx1"/>
-              </a:solidFill>
-            </a:endParaRPr>
+              <a:t>presentar variaciones en su estructura por la diversidad de narradores </a:t>
+            </a:r>
           </a:p>
         </p:txBody>
       </p:sp>
       <p:cxnSp>
         <p:nvCxnSpPr>
           <p:cNvPr id="76" name="Conector angular 75"/>
-          <p:cNvCxnSpPr>
-            <a:stCxn id="67" idx="2"/>
-            <a:endCxn id="72" idx="0"/>
-          </p:cNvCxnSpPr>
+          <p:cNvCxnSpPr/>
           <p:nvPr/>
         </p:nvCxnSpPr>
         <p:spPr>
           <a:xfrm rot="5400000">
-            <a:off x="617507" y="2782199"/>
+            <a:off x="576920" y="2884577"/>
             <a:ext cx="425654" cy="0"/>
           </a:xfrm>
           <a:prstGeom prst="bentConnector3">
@@ -2178,43 +2038,6 @@
           </a:fontRef>
         </p:style>
       </p:cxnSp>
-      <p:cxnSp>
-        <p:nvCxnSpPr>
-          <p:cNvPr id="132" name="Conector angular 131"/>
-          <p:cNvCxnSpPr/>
-          <p:nvPr/>
-        </p:nvCxnSpPr>
-        <p:spPr>
-          <a:xfrm rot="5400000">
-            <a:off x="783661" y="748806"/>
-            <a:ext cx="380012" cy="0"/>
-          </a:xfrm>
-          <a:prstGeom prst="bentConnector3">
-            <a:avLst>
-              <a:gd name="adj1" fmla="val 50000"/>
-            </a:avLst>
-          </a:prstGeom>
-          <a:ln w="12700">
-            <a:solidFill>
-              <a:schemeClr val="tx1"/>
-            </a:solidFill>
-          </a:ln>
-        </p:spPr>
-        <p:style>
-          <a:lnRef idx="1">
-            <a:schemeClr val="accent1"/>
-          </a:lnRef>
-          <a:fillRef idx="0">
-            <a:schemeClr val="accent1"/>
-          </a:fillRef>
-          <a:effectRef idx="0">
-            <a:schemeClr val="accent1"/>
-          </a:effectRef>
-          <a:fontRef idx="minor">
-            <a:schemeClr val="tx1"/>
-          </a:fontRef>
-        </p:style>
-      </p:cxnSp>
       <p:sp>
         <p:nvSpPr>
           <p:cNvPr id="216" name="Rectángulo 215" descr="Nodo de primer nivel" title="Nodo01"/>
@@ -2223,7 +2046,7 @@
         </p:nvSpPr>
         <p:spPr>
           <a:xfrm>
-            <a:off x="2818595" y="887277"/>
+            <a:off x="2836358" y="867933"/>
             <a:ext cx="1124746" cy="439782"/>
           </a:xfrm>
           <a:prstGeom prst="rect">
@@ -2274,14 +2097,14 @@
       </p:sp>
       <p:sp>
         <p:nvSpPr>
-          <p:cNvPr id="218" name="CuadroTexto 217" descr="Conector entre nodos" title="conector"/>
+          <p:cNvPr id="222" name="CuadroTexto 221" descr="Conector entre nodos" title="conector"/>
           <p:cNvSpPr txBox="1"/>
           <p:nvPr/>
         </p:nvSpPr>
         <p:spPr>
           <a:xfrm>
-            <a:off x="2884854" y="1667250"/>
-            <a:ext cx="1122431" cy="230832"/>
+            <a:off x="2575814" y="3261414"/>
+            <a:ext cx="1348820" cy="230832"/>
           </a:xfrm>
           <a:prstGeom prst="rect">
             <a:avLst/>
@@ -2296,31 +2119,226 @@
           <a:p>
             <a:pPr algn="ctr"/>
             <a:r>
-              <a:rPr lang="es-ES" sz="900" dirty="0"/>
-              <a:t>e</a:t>
-            </a:r>
-            <a:r>
               <a:rPr lang="es-ES" sz="900" dirty="0" smtClean="0"/>
-              <a:t>xisten </a:t>
-            </a:r>
-            <a:r>
-              <a:rPr lang="es-ES" sz="900" dirty="0" smtClean="0"/>
-              <a:t>oraciones</a:t>
-            </a:r>
-            <a:endParaRPr lang="es-ES" sz="900" dirty="0"/>
+              <a:t> </a:t>
+            </a:r>
+            <a:r>
+              <a:rPr lang="es-ES" sz="800" dirty="0" smtClean="0"/>
+              <a:t>cuando</a:t>
+            </a:r>
+            <a:endParaRPr lang="es-ES" sz="800" dirty="0"/>
           </a:p>
         </p:txBody>
       </p:sp>
       <p:sp>
         <p:nvSpPr>
-          <p:cNvPr id="220" name="Rectángulo 219" descr="Nodo de segundo nivel" title="Nodo02"/>
+          <p:cNvPr id="257" name="Rectángulo 256" descr="Nodo de cuarto nivel&#10;" title="Nodo04"/>
           <p:cNvSpPr/>
           <p:nvPr/>
         </p:nvSpPr>
         <p:spPr>
           <a:xfrm>
-            <a:off x="2828392" y="2440044"/>
-            <a:ext cx="1022496" cy="357473"/>
+            <a:off x="2660011" y="3823154"/>
+            <a:ext cx="1185527" cy="441205"/>
+          </a:xfrm>
+          <a:prstGeom prst="rect">
+            <a:avLst/>
+          </a:prstGeom>
+          <a:solidFill>
+            <a:schemeClr val="bg1"/>
+          </a:solidFill>
+          <a:ln>
+            <a:solidFill>
+              <a:schemeClr val="tx1"/>
+            </a:solidFill>
+          </a:ln>
+        </p:spPr>
+        <p:style>
+          <a:lnRef idx="2">
+            <a:schemeClr val="accent6"/>
+          </a:lnRef>
+          <a:fillRef idx="1">
+            <a:schemeClr val="lt1"/>
+          </a:fillRef>
+          <a:effectRef idx="0">
+            <a:schemeClr val="accent6"/>
+          </a:effectRef>
+          <a:fontRef idx="minor">
+            <a:schemeClr val="dk1"/>
+          </a:fontRef>
+        </p:style>
+        <p:txBody>
+          <a:bodyPr rtlCol="0" anchor="ctr"/>
+          <a:lstStyle/>
+          <a:p>
+            <a:pPr algn="ctr"/>
+            <a:r>
+              <a:rPr lang="es-ES" sz="900" dirty="0">
+                <a:solidFill>
+                  <a:schemeClr val="tx1"/>
+                </a:solidFill>
+              </a:rPr>
+              <a:t>e</a:t>
+            </a:r>
+            <a:r>
+              <a:rPr lang="es-ES" sz="900" dirty="0" smtClean="0">
+                <a:solidFill>
+                  <a:schemeClr val="tx1"/>
+                </a:solidFill>
+              </a:rPr>
+              <a:t>l sujeto realiza y recibe la acción verbal</a:t>
+            </a:r>
+          </a:p>
+        </p:txBody>
+      </p:sp>
+      <p:cxnSp>
+        <p:nvCxnSpPr>
+          <p:cNvPr id="261" name="Conector angular 260"/>
+          <p:cNvCxnSpPr/>
+          <p:nvPr/>
+        </p:nvCxnSpPr>
+        <p:spPr>
+          <a:xfrm rot="5400000">
+            <a:off x="3056968" y="3644107"/>
+            <a:ext cx="358094" cy="0"/>
+          </a:xfrm>
+          <a:prstGeom prst="bentConnector3">
+            <a:avLst>
+              <a:gd name="adj1" fmla="val 50000"/>
+            </a:avLst>
+          </a:prstGeom>
+          <a:ln w="12700">
+            <a:solidFill>
+              <a:schemeClr val="tx1"/>
+            </a:solidFill>
+          </a:ln>
+        </p:spPr>
+        <p:style>
+          <a:lnRef idx="1">
+            <a:schemeClr val="accent1"/>
+          </a:lnRef>
+          <a:fillRef idx="0">
+            <a:schemeClr val="accent1"/>
+          </a:fillRef>
+          <a:effectRef idx="0">
+            <a:schemeClr val="accent1"/>
+          </a:effectRef>
+          <a:fontRef idx="minor">
+            <a:schemeClr val="tx1"/>
+          </a:fontRef>
+        </p:style>
+      </p:cxnSp>
+      <p:sp>
+        <p:nvSpPr>
+          <p:cNvPr id="308" name="Rectángulo 307" descr="Nodo de cuarto nivel&#10;" title="Nodo04"/>
+          <p:cNvSpPr/>
+          <p:nvPr/>
+        </p:nvSpPr>
+        <p:spPr>
+          <a:xfrm>
+            <a:off x="3940371" y="4096850"/>
+            <a:ext cx="1032590" cy="1081183"/>
+          </a:xfrm>
+          <a:prstGeom prst="rect">
+            <a:avLst/>
+          </a:prstGeom>
+          <a:solidFill>
+            <a:schemeClr val="bg1"/>
+          </a:solidFill>
+          <a:ln>
+            <a:solidFill>
+              <a:schemeClr val="tx1"/>
+            </a:solidFill>
+          </a:ln>
+        </p:spPr>
+        <p:style>
+          <a:lnRef idx="2">
+            <a:schemeClr val="accent6"/>
+          </a:lnRef>
+          <a:fillRef idx="1">
+            <a:schemeClr val="lt1"/>
+          </a:fillRef>
+          <a:effectRef idx="0">
+            <a:schemeClr val="accent6"/>
+          </a:effectRef>
+          <a:fontRef idx="minor">
+            <a:schemeClr val="dk1"/>
+          </a:fontRef>
+        </p:style>
+        <p:txBody>
+          <a:bodyPr rtlCol="0" anchor="ctr"/>
+          <a:lstStyle/>
+          <a:p>
+            <a:pPr algn="ctr"/>
+            <a:r>
+              <a:rPr lang="es-ES" sz="900" dirty="0">
+                <a:solidFill>
+                  <a:schemeClr val="tx1"/>
+                </a:solidFill>
+              </a:rPr>
+              <a:t>l</a:t>
+            </a:r>
+            <a:r>
+              <a:rPr lang="es-ES" sz="900" dirty="0" smtClean="0">
+                <a:solidFill>
+                  <a:schemeClr val="tx1"/>
+                </a:solidFill>
+              </a:rPr>
+              <a:t>a acción del verbo es ejecutada y recibida mutuamente por dos o más sujetos</a:t>
+            </a:r>
+            <a:endParaRPr lang="es-ES" sz="900" dirty="0">
+              <a:solidFill>
+                <a:schemeClr val="tx1"/>
+              </a:solidFill>
+            </a:endParaRPr>
+          </a:p>
+        </p:txBody>
+      </p:sp>
+      <p:cxnSp>
+        <p:nvCxnSpPr>
+          <p:cNvPr id="336" name="Conector angular 335"/>
+          <p:cNvCxnSpPr/>
+          <p:nvPr/>
+        </p:nvCxnSpPr>
+        <p:spPr>
+          <a:xfrm rot="16200000" flipH="1">
+            <a:off x="6722800" y="-1528184"/>
+            <a:ext cx="132391" cy="4037072"/>
+          </a:xfrm>
+          <a:prstGeom prst="bentConnector2">
+            <a:avLst/>
+          </a:prstGeom>
+          <a:ln w="12700">
+            <a:solidFill>
+              <a:schemeClr val="tx1"/>
+            </a:solidFill>
+          </a:ln>
+        </p:spPr>
+        <p:style>
+          <a:lnRef idx="1">
+            <a:schemeClr val="accent1"/>
+          </a:lnRef>
+          <a:fillRef idx="0">
+            <a:schemeClr val="accent1"/>
+          </a:fillRef>
+          <a:effectRef idx="0">
+            <a:schemeClr val="accent1"/>
+          </a:effectRef>
+          <a:fontRef idx="minor">
+            <a:schemeClr val="tx1"/>
+          </a:fontRef>
+        </p:style>
+      </p:cxnSp>
+      <p:sp>
+        <p:nvSpPr>
+          <p:cNvPr id="339" name="Rectángulo 338" descr="Nodo de segundo nivel" title="Nodo02"/>
+          <p:cNvSpPr/>
+          <p:nvPr/>
+        </p:nvSpPr>
+        <p:spPr>
+          <a:xfrm>
+            <a:off x="8071415" y="1822749"/>
+            <a:ext cx="932312" cy="485914"/>
           </a:xfrm>
           <a:prstGeom prst="rect">
             <a:avLst/>
@@ -2361,7 +2379,7 @@
                   <a:schemeClr val="bg1"/>
                 </a:solidFill>
               </a:rPr>
-              <a:t>Reflexivas</a:t>
+              <a:t>El anuncio publicitario</a:t>
             </a:r>
             <a:endParaRPr lang="es-ES" sz="1050" dirty="0">
               <a:solidFill>
@@ -2373,785 +2391,14 @@
       </p:sp>
       <p:sp>
         <p:nvSpPr>
-          <p:cNvPr id="222" name="CuadroTexto 221" descr="Conector entre nodos" title="conector"/>
-          <p:cNvSpPr txBox="1"/>
-          <p:nvPr/>
-        </p:nvSpPr>
-        <p:spPr>
-          <a:xfrm>
-            <a:off x="2787921" y="2948286"/>
-            <a:ext cx="1117174" cy="369332"/>
-          </a:xfrm>
-          <a:prstGeom prst="rect">
-            <a:avLst/>
-          </a:prstGeom>
-          <a:noFill/>
-        </p:spPr>
-        <p:txBody>
-          <a:bodyPr wrap="square" rtlCol="0">
-            <a:spAutoFit/>
-          </a:bodyPr>
-          <a:lstStyle/>
-          <a:p>
-            <a:pPr algn="ctr"/>
-            <a:r>
-              <a:rPr lang="es-ES" sz="900" dirty="0" smtClean="0"/>
-              <a:t>se presentan cuando</a:t>
-            </a:r>
-            <a:endParaRPr lang="es-ES" sz="900" dirty="0"/>
-          </a:p>
-        </p:txBody>
-      </p:sp>
-      <p:cxnSp>
-        <p:nvCxnSpPr>
-          <p:cNvPr id="223" name="Conector angular 222"/>
-          <p:cNvCxnSpPr>
-            <a:stCxn id="220" idx="2"/>
-            <a:endCxn id="222" idx="0"/>
-          </p:cNvCxnSpPr>
-          <p:nvPr/>
-        </p:nvCxnSpPr>
-        <p:spPr>
-          <a:xfrm rot="16200000" flipH="1">
-            <a:off x="3264256" y="2872901"/>
-            <a:ext cx="150769" cy="0"/>
-          </a:xfrm>
-          <a:prstGeom prst="bentConnector3">
-            <a:avLst>
-              <a:gd name="adj1" fmla="val 50000"/>
-            </a:avLst>
-          </a:prstGeom>
-          <a:ln w="12700">
-            <a:solidFill>
-              <a:schemeClr val="tx1"/>
-            </a:solidFill>
-          </a:ln>
-        </p:spPr>
-        <p:style>
-          <a:lnRef idx="1">
-            <a:schemeClr val="accent1"/>
-          </a:lnRef>
-          <a:fillRef idx="0">
-            <a:schemeClr val="accent1"/>
-          </a:fillRef>
-          <a:effectRef idx="0">
-            <a:schemeClr val="accent1"/>
-          </a:effectRef>
-          <a:fontRef idx="minor">
-            <a:schemeClr val="tx1"/>
-          </a:fontRef>
-        </p:style>
-      </p:cxnSp>
-      <p:sp>
-        <p:nvSpPr>
-          <p:cNvPr id="256" name="Rectángulo 255" descr="Nodo de tercer nivel" title="Nodo03"/>
-          <p:cNvSpPr/>
-          <p:nvPr/>
-        </p:nvSpPr>
-        <p:spPr>
-          <a:xfrm>
-            <a:off x="2786169" y="3322151"/>
-            <a:ext cx="1122431" cy="429090"/>
-          </a:xfrm>
-          <a:prstGeom prst="rect">
-            <a:avLst/>
-          </a:prstGeom>
-          <a:solidFill>
-            <a:schemeClr val="bg2">
-              <a:lumMod val="90000"/>
-            </a:schemeClr>
-          </a:solidFill>
-          <a:ln>
-            <a:solidFill>
-              <a:schemeClr val="tx1"/>
-            </a:solidFill>
-          </a:ln>
-        </p:spPr>
-        <p:style>
-          <a:lnRef idx="2">
-            <a:schemeClr val="accent6"/>
-          </a:lnRef>
-          <a:fillRef idx="1">
-            <a:schemeClr val="lt1"/>
-          </a:fillRef>
-          <a:effectRef idx="0">
-            <a:schemeClr val="accent6"/>
-          </a:effectRef>
-          <a:fontRef idx="minor">
-            <a:schemeClr val="dk1"/>
-          </a:fontRef>
-        </p:style>
-        <p:txBody>
-          <a:bodyPr rtlCol="0" anchor="ctr"/>
-          <a:lstStyle/>
-          <a:p>
-            <a:pPr algn="ctr"/>
-            <a:r>
-              <a:rPr lang="es-ES" sz="900" dirty="0" smtClean="0">
-                <a:solidFill>
-                  <a:schemeClr val="tx1"/>
-                </a:solidFill>
-              </a:rPr>
-              <a:t>un solo sujeto realiza y recibe la acción</a:t>
-            </a:r>
-            <a:endParaRPr lang="es-ES" sz="900" dirty="0">
-              <a:solidFill>
-                <a:schemeClr val="tx1"/>
-              </a:solidFill>
-            </a:endParaRPr>
-          </a:p>
-        </p:txBody>
-      </p:sp>
-      <p:sp>
-        <p:nvSpPr>
-          <p:cNvPr id="257" name="Rectángulo 256" descr="Nodo de cuarto nivel&#10;" title="Nodo04"/>
-          <p:cNvSpPr/>
-          <p:nvPr/>
-        </p:nvSpPr>
-        <p:spPr>
-          <a:xfrm>
-            <a:off x="2786169" y="4253036"/>
-            <a:ext cx="1122431" cy="1062624"/>
-          </a:xfrm>
-          <a:prstGeom prst="rect">
-            <a:avLst/>
-          </a:prstGeom>
-          <a:solidFill>
-            <a:schemeClr val="bg1"/>
-          </a:solidFill>
-          <a:ln>
-            <a:solidFill>
-              <a:schemeClr val="tx1"/>
-            </a:solidFill>
-          </a:ln>
-        </p:spPr>
-        <p:style>
-          <a:lnRef idx="2">
-            <a:schemeClr val="accent6"/>
-          </a:lnRef>
-          <a:fillRef idx="1">
-            <a:schemeClr val="lt1"/>
-          </a:fillRef>
-          <a:effectRef idx="0">
-            <a:schemeClr val="accent6"/>
-          </a:effectRef>
-          <a:fontRef idx="minor">
-            <a:schemeClr val="dk1"/>
-          </a:fontRef>
-        </p:style>
-        <p:txBody>
-          <a:bodyPr rtlCol="0" anchor="ctr"/>
-          <a:lstStyle/>
-          <a:p>
-            <a:pPr marL="171450" indent="-171450" algn="ctr">
-              <a:buFont typeface="Arial"/>
-              <a:buChar char="•"/>
-            </a:pPr>
-            <a:r>
-              <a:rPr lang="es-ES" sz="900" dirty="0" smtClean="0">
-                <a:solidFill>
-                  <a:schemeClr val="tx1"/>
-                </a:solidFill>
-              </a:rPr>
-              <a:t>Luis se cayó de su bicicleta. </a:t>
-            </a:r>
-          </a:p>
-          <a:p>
-            <a:pPr marL="171450" indent="-171450" algn="ctr">
-              <a:buFont typeface="Arial"/>
-              <a:buChar char="•"/>
-            </a:pPr>
-            <a:r>
-              <a:rPr lang="es-ES" sz="900" dirty="0" smtClean="0">
-                <a:solidFill>
-                  <a:schemeClr val="tx1"/>
-                </a:solidFill>
-              </a:rPr>
-              <a:t>Yo me pinté el pelo de azul.</a:t>
-            </a:r>
-            <a:endParaRPr lang="es-ES" sz="900" dirty="0">
-              <a:solidFill>
-                <a:schemeClr val="tx1"/>
-              </a:solidFill>
-            </a:endParaRPr>
-          </a:p>
-        </p:txBody>
-      </p:sp>
-      <p:cxnSp>
-        <p:nvCxnSpPr>
-          <p:cNvPr id="260" name="Conector angular 259"/>
-          <p:cNvCxnSpPr>
-            <a:stCxn id="222" idx="2"/>
-            <a:endCxn id="256" idx="0"/>
-          </p:cNvCxnSpPr>
-          <p:nvPr/>
-        </p:nvCxnSpPr>
-        <p:spPr>
-          <a:xfrm rot="16200000" flipH="1">
-            <a:off x="3344680" y="3319445"/>
-            <a:ext cx="4533" cy="877"/>
-          </a:xfrm>
-          <a:prstGeom prst="bentConnector3">
-            <a:avLst>
-              <a:gd name="adj1" fmla="val 50000"/>
-            </a:avLst>
-          </a:prstGeom>
-          <a:ln w="12700">
-            <a:solidFill>
-              <a:schemeClr val="tx1"/>
-            </a:solidFill>
-          </a:ln>
-        </p:spPr>
-        <p:style>
-          <a:lnRef idx="1">
-            <a:schemeClr val="accent1"/>
-          </a:lnRef>
-          <a:fillRef idx="0">
-            <a:schemeClr val="accent1"/>
-          </a:fillRef>
-          <a:effectRef idx="0">
-            <a:schemeClr val="accent1"/>
-          </a:effectRef>
-          <a:fontRef idx="minor">
-            <a:schemeClr val="tx1"/>
-          </a:fontRef>
-        </p:style>
-      </p:cxnSp>
-      <p:cxnSp>
-        <p:nvCxnSpPr>
-          <p:cNvPr id="261" name="Conector angular 260"/>
-          <p:cNvCxnSpPr>
-            <a:stCxn id="256" idx="2"/>
-          </p:cNvCxnSpPr>
-          <p:nvPr/>
-        </p:nvCxnSpPr>
-        <p:spPr>
-          <a:xfrm rot="5400000">
-            <a:off x="3168338" y="3930288"/>
-            <a:ext cx="358094" cy="0"/>
-          </a:xfrm>
-          <a:prstGeom prst="bentConnector3">
-            <a:avLst>
-              <a:gd name="adj1" fmla="val 50000"/>
-            </a:avLst>
-          </a:prstGeom>
-          <a:ln w="12700">
-            <a:solidFill>
-              <a:schemeClr val="tx1"/>
-            </a:solidFill>
-          </a:ln>
-        </p:spPr>
-        <p:style>
-          <a:lnRef idx="1">
-            <a:schemeClr val="accent1"/>
-          </a:lnRef>
-          <a:fillRef idx="0">
-            <a:schemeClr val="accent1"/>
-          </a:fillRef>
-          <a:effectRef idx="0">
-            <a:schemeClr val="accent1"/>
-          </a:effectRef>
-          <a:fontRef idx="minor">
-            <a:schemeClr val="tx1"/>
-          </a:fontRef>
-        </p:style>
-      </p:cxnSp>
-      <p:cxnSp>
-        <p:nvCxnSpPr>
-          <p:cNvPr id="262" name="Conector angular 261"/>
-          <p:cNvCxnSpPr>
-            <a:endCxn id="257" idx="0"/>
-          </p:cNvCxnSpPr>
-          <p:nvPr/>
-        </p:nvCxnSpPr>
-        <p:spPr>
-          <a:xfrm rot="16200000" flipH="1">
-            <a:off x="3270621" y="4176272"/>
-            <a:ext cx="152652" cy="876"/>
-          </a:xfrm>
-          <a:prstGeom prst="bentConnector3">
-            <a:avLst>
-              <a:gd name="adj1" fmla="val 50000"/>
-            </a:avLst>
-          </a:prstGeom>
-          <a:ln w="12700">
-            <a:solidFill>
-              <a:schemeClr val="tx1"/>
-            </a:solidFill>
-          </a:ln>
-        </p:spPr>
-        <p:style>
-          <a:lnRef idx="1">
-            <a:schemeClr val="accent1"/>
-          </a:lnRef>
-          <a:fillRef idx="0">
-            <a:schemeClr val="accent1"/>
-          </a:fillRef>
-          <a:effectRef idx="0">
-            <a:schemeClr val="accent1"/>
-          </a:effectRef>
-          <a:fontRef idx="minor">
-            <a:schemeClr val="tx1"/>
-          </a:fontRef>
-        </p:style>
-      </p:cxnSp>
-      <p:sp>
-        <p:nvSpPr>
-          <p:cNvPr id="280" name="Rectángulo 279" descr="Nodo de segundo nivel" title="Nodo02"/>
-          <p:cNvSpPr/>
-          <p:nvPr/>
-        </p:nvSpPr>
-        <p:spPr>
-          <a:xfrm>
-            <a:off x="4062976" y="2439376"/>
-            <a:ext cx="1022496" cy="357473"/>
-          </a:xfrm>
-          <a:prstGeom prst="rect">
-            <a:avLst/>
-          </a:prstGeom>
-          <a:solidFill>
-            <a:schemeClr val="bg2">
-              <a:lumMod val="50000"/>
-            </a:schemeClr>
-          </a:solidFill>
-          <a:ln>
-            <a:solidFill>
-              <a:schemeClr val="tx1"/>
-            </a:solidFill>
-          </a:ln>
-        </p:spPr>
-        <p:style>
-          <a:lnRef idx="2">
-            <a:schemeClr val="accent6"/>
-          </a:lnRef>
-          <a:fillRef idx="1">
-            <a:schemeClr val="lt1"/>
-          </a:fillRef>
-          <a:effectRef idx="0">
-            <a:schemeClr val="accent6"/>
-          </a:effectRef>
-          <a:fontRef idx="minor">
-            <a:schemeClr val="dk1"/>
-          </a:fontRef>
-        </p:style>
-        <p:txBody>
-          <a:bodyPr rtlCol="0" anchor="ctr"/>
-          <a:lstStyle/>
-          <a:p>
-            <a:pPr algn="ctr"/>
-            <a:r>
-              <a:rPr lang="es-ES" sz="1050" dirty="0" smtClean="0">
-                <a:solidFill>
-                  <a:schemeClr val="bg1"/>
-                </a:solidFill>
-              </a:rPr>
-              <a:t>Recíprocas</a:t>
-            </a:r>
-            <a:endParaRPr lang="es-ES" sz="1050" dirty="0">
-              <a:solidFill>
-                <a:schemeClr val="bg1"/>
-              </a:solidFill>
-            </a:endParaRPr>
-          </a:p>
-        </p:txBody>
-      </p:sp>
-      <p:sp>
-        <p:nvSpPr>
-          <p:cNvPr id="284" name="Rectángulo 283" descr="Nodo de tercer nivel" title="Nodo03"/>
-          <p:cNvSpPr/>
-          <p:nvPr/>
-        </p:nvSpPr>
-        <p:spPr>
-          <a:xfrm>
-            <a:off x="4152653" y="3299586"/>
-            <a:ext cx="1122431" cy="603050"/>
-          </a:xfrm>
-          <a:prstGeom prst="rect">
-            <a:avLst/>
-          </a:prstGeom>
-          <a:solidFill>
-            <a:schemeClr val="bg2">
-              <a:lumMod val="90000"/>
-            </a:schemeClr>
-          </a:solidFill>
-          <a:ln>
-            <a:solidFill>
-              <a:schemeClr val="tx1"/>
-            </a:solidFill>
-          </a:ln>
-        </p:spPr>
-        <p:style>
-          <a:lnRef idx="2">
-            <a:schemeClr val="accent6"/>
-          </a:lnRef>
-          <a:fillRef idx="1">
-            <a:schemeClr val="lt1"/>
-          </a:fillRef>
-          <a:effectRef idx="0">
-            <a:schemeClr val="accent6"/>
-          </a:effectRef>
-          <a:fontRef idx="minor">
-            <a:schemeClr val="dk1"/>
-          </a:fontRef>
-        </p:style>
-        <p:txBody>
-          <a:bodyPr rtlCol="0" anchor="ctr"/>
-          <a:lstStyle/>
-          <a:p>
-            <a:pPr algn="ctr"/>
-            <a:r>
-              <a:rPr lang="es-ES" sz="900" dirty="0" smtClean="0">
-                <a:solidFill>
-                  <a:schemeClr val="tx1"/>
-                </a:solidFill>
-              </a:rPr>
-              <a:t>varios sujetos realizan una acción que los afecta mutuamente</a:t>
-            </a:r>
-            <a:endParaRPr lang="es-ES" sz="900" dirty="0">
-              <a:solidFill>
-                <a:schemeClr val="tx1"/>
-              </a:solidFill>
-            </a:endParaRPr>
-          </a:p>
-        </p:txBody>
-      </p:sp>
-      <p:sp>
-        <p:nvSpPr>
-          <p:cNvPr id="308" name="Rectángulo 307" descr="Nodo de cuarto nivel&#10;" title="Nodo04"/>
-          <p:cNvSpPr/>
-          <p:nvPr/>
-        </p:nvSpPr>
-        <p:spPr>
-          <a:xfrm>
-            <a:off x="4181015" y="4503624"/>
-            <a:ext cx="1122431" cy="1081183"/>
-          </a:xfrm>
-          <a:prstGeom prst="rect">
-            <a:avLst/>
-          </a:prstGeom>
-          <a:solidFill>
-            <a:schemeClr val="bg1"/>
-          </a:solidFill>
-          <a:ln>
-            <a:solidFill>
-              <a:schemeClr val="tx1"/>
-            </a:solidFill>
-          </a:ln>
-        </p:spPr>
-        <p:style>
-          <a:lnRef idx="2">
-            <a:schemeClr val="accent6"/>
-          </a:lnRef>
-          <a:fillRef idx="1">
-            <a:schemeClr val="lt1"/>
-          </a:fillRef>
-          <a:effectRef idx="0">
-            <a:schemeClr val="accent6"/>
-          </a:effectRef>
-          <a:fontRef idx="minor">
-            <a:schemeClr val="dk1"/>
-          </a:fontRef>
-        </p:style>
-        <p:txBody>
-          <a:bodyPr rtlCol="0" anchor="ctr"/>
-          <a:lstStyle/>
-          <a:p>
-            <a:pPr marL="171450" indent="-171450">
-              <a:buFont typeface="Arial"/>
-              <a:buChar char="•"/>
-            </a:pPr>
-            <a:r>
-              <a:rPr lang="es-ES" sz="900" dirty="0" smtClean="0">
-                <a:solidFill>
-                  <a:schemeClr val="tx1"/>
-                </a:solidFill>
-              </a:rPr>
-              <a:t>Fabián y Luisa se siguen hablando.</a:t>
-            </a:r>
-          </a:p>
-          <a:p>
-            <a:pPr marL="171450" indent="-171450">
-              <a:buFont typeface="Arial"/>
-              <a:buChar char="•"/>
-            </a:pPr>
-            <a:r>
-              <a:rPr lang="es-ES" sz="900" smtClean="0">
-                <a:solidFill>
-                  <a:schemeClr val="tx1"/>
-                </a:solidFill>
-              </a:rPr>
-              <a:t>Ellas </a:t>
-            </a:r>
-            <a:r>
-              <a:rPr lang="es-ES" sz="900" dirty="0" smtClean="0">
-                <a:solidFill>
-                  <a:schemeClr val="tx1"/>
-                </a:solidFill>
-              </a:rPr>
-              <a:t>se entienden con la mirada.</a:t>
-            </a:r>
-          </a:p>
-          <a:p>
-            <a:pPr marL="171450" indent="-171450" algn="ctr">
-              <a:buFont typeface="Arial"/>
-              <a:buChar char="•"/>
-            </a:pPr>
-            <a:endParaRPr lang="es-ES" sz="900" dirty="0">
-              <a:solidFill>
-                <a:schemeClr val="tx1"/>
-              </a:solidFill>
-            </a:endParaRPr>
-          </a:p>
-        </p:txBody>
-      </p:sp>
-      <p:cxnSp>
-        <p:nvCxnSpPr>
-          <p:cNvPr id="336" name="Conector angular 335"/>
-          <p:cNvCxnSpPr>
-            <a:stCxn id="4" idx="2"/>
-          </p:cNvCxnSpPr>
-          <p:nvPr/>
-        </p:nvCxnSpPr>
-        <p:spPr>
-          <a:xfrm rot="16200000" flipH="1">
-            <a:off x="6703938" y="-1521205"/>
-            <a:ext cx="132391" cy="4037072"/>
-          </a:xfrm>
-          <a:prstGeom prst="bentConnector2">
-            <a:avLst/>
-          </a:prstGeom>
-          <a:ln w="12700">
-            <a:solidFill>
-              <a:schemeClr val="tx1"/>
-            </a:solidFill>
-          </a:ln>
-        </p:spPr>
-        <p:style>
-          <a:lnRef idx="1">
-            <a:schemeClr val="accent1"/>
-          </a:lnRef>
-          <a:fillRef idx="0">
-            <a:schemeClr val="accent1"/>
-          </a:fillRef>
-          <a:effectRef idx="0">
-            <a:schemeClr val="accent1"/>
-          </a:effectRef>
-          <a:fontRef idx="minor">
-            <a:schemeClr val="tx1"/>
-          </a:fontRef>
-        </p:style>
-      </p:cxnSp>
-      <p:sp>
-        <p:nvSpPr>
-          <p:cNvPr id="337" name="CuadroTexto 336" descr="Conector entre nodos" title="conector"/>
-          <p:cNvSpPr txBox="1"/>
-          <p:nvPr/>
-        </p:nvSpPr>
-        <p:spPr>
-          <a:xfrm>
-            <a:off x="8021568" y="1383102"/>
-            <a:ext cx="1122431" cy="507831"/>
-          </a:xfrm>
-          <a:prstGeom prst="rect">
-            <a:avLst/>
-          </a:prstGeom>
-          <a:noFill/>
-        </p:spPr>
-        <p:txBody>
-          <a:bodyPr wrap="square" rtlCol="0">
-            <a:spAutoFit/>
-          </a:bodyPr>
-          <a:lstStyle/>
-          <a:p>
-            <a:pPr algn="ctr"/>
-            <a:r>
-              <a:rPr lang="es-ES" sz="900" dirty="0"/>
-              <a:t>i</a:t>
-            </a:r>
-            <a:r>
-              <a:rPr lang="es-ES" sz="900" dirty="0" smtClean="0"/>
-              <a:t>ncluye </a:t>
-            </a:r>
-            <a:r>
-              <a:rPr lang="es-ES" sz="900" dirty="0" smtClean="0"/>
-              <a:t>los siguientes elementos</a:t>
-            </a:r>
-            <a:endParaRPr lang="es-ES" sz="900" dirty="0"/>
-          </a:p>
-        </p:txBody>
-      </p:sp>
-      <p:sp>
-        <p:nvSpPr>
-          <p:cNvPr id="339" name="Rectángulo 338" descr="Nodo de segundo nivel" title="Nodo02"/>
-          <p:cNvSpPr/>
-          <p:nvPr/>
-        </p:nvSpPr>
-        <p:spPr>
-          <a:xfrm>
-            <a:off x="8060381" y="1956189"/>
-            <a:ext cx="1022496" cy="1320504"/>
-          </a:xfrm>
-          <a:prstGeom prst="rect">
-            <a:avLst/>
-          </a:prstGeom>
-          <a:solidFill>
-            <a:schemeClr val="bg2">
-              <a:lumMod val="50000"/>
-            </a:schemeClr>
-          </a:solidFill>
-          <a:ln>
-            <a:solidFill>
-              <a:schemeClr val="tx1"/>
-            </a:solidFill>
-          </a:ln>
-        </p:spPr>
-        <p:style>
-          <a:lnRef idx="2">
-            <a:schemeClr val="accent6"/>
-          </a:lnRef>
-          <a:fillRef idx="1">
-            <a:schemeClr val="lt1"/>
-          </a:fillRef>
-          <a:effectRef idx="0">
-            <a:schemeClr val="accent6"/>
-          </a:effectRef>
-          <a:fontRef idx="minor">
-            <a:schemeClr val="dk1"/>
-          </a:fontRef>
-        </p:style>
-        <p:txBody>
-          <a:bodyPr rtlCol="0" anchor="ctr"/>
-          <a:lstStyle/>
-          <a:p>
-            <a:pPr marL="171450" indent="-171450">
-              <a:buFont typeface="Arial"/>
-              <a:buChar char="•"/>
-            </a:pPr>
-            <a:r>
-              <a:rPr lang="es-ES" sz="1050" dirty="0" smtClean="0">
-                <a:solidFill>
-                  <a:schemeClr val="bg1"/>
-                </a:solidFill>
-              </a:rPr>
-              <a:t>Producto</a:t>
-            </a:r>
-          </a:p>
-          <a:p>
-            <a:pPr marL="171450" indent="-171450">
-              <a:buFont typeface="Arial"/>
-              <a:buChar char="•"/>
-            </a:pPr>
-            <a:r>
-              <a:rPr lang="es-ES" sz="1050" dirty="0" smtClean="0">
-                <a:solidFill>
-                  <a:schemeClr val="bg1"/>
-                </a:solidFill>
-              </a:rPr>
-              <a:t>Marca, empresa o institución.</a:t>
-            </a:r>
-          </a:p>
-          <a:p>
-            <a:pPr marL="171450" indent="-171450">
-              <a:buFont typeface="Arial"/>
-              <a:buChar char="•"/>
-            </a:pPr>
-            <a:r>
-              <a:rPr lang="es-ES" sz="1050" dirty="0" smtClean="0">
-                <a:solidFill>
-                  <a:schemeClr val="bg1"/>
-                </a:solidFill>
-              </a:rPr>
-              <a:t>Descripción</a:t>
-            </a:r>
-          </a:p>
-          <a:p>
-            <a:pPr marL="171450" indent="-171450">
-              <a:buFont typeface="Arial"/>
-              <a:buChar char="•"/>
-            </a:pPr>
-            <a:r>
-              <a:rPr lang="es-ES" sz="1050" dirty="0" smtClean="0">
-                <a:solidFill>
-                  <a:schemeClr val="bg1"/>
-                </a:solidFill>
-              </a:rPr>
-              <a:t>Eslogan</a:t>
-            </a:r>
-          </a:p>
-          <a:p>
-            <a:pPr marL="171450" indent="-171450">
-              <a:buFont typeface="Arial"/>
-              <a:buChar char="•"/>
-            </a:pPr>
-            <a:r>
-              <a:rPr lang="es-ES" sz="1050" dirty="0" smtClean="0">
-                <a:solidFill>
-                  <a:schemeClr val="bg1"/>
-                </a:solidFill>
-              </a:rPr>
-              <a:t>Destinatario</a:t>
-            </a:r>
-          </a:p>
-          <a:p>
-            <a:pPr marL="171450" indent="-171450" algn="ctr">
-              <a:buFont typeface="Arial"/>
-              <a:buChar char="•"/>
-            </a:pPr>
-            <a:endParaRPr lang="es-ES" sz="1050" dirty="0">
-              <a:solidFill>
-                <a:schemeClr val="bg1"/>
-              </a:solidFill>
-            </a:endParaRPr>
-          </a:p>
-        </p:txBody>
-      </p:sp>
-      <p:cxnSp>
-        <p:nvCxnSpPr>
-          <p:cNvPr id="340" name="Conector angular 339"/>
-          <p:cNvCxnSpPr/>
-          <p:nvPr/>
-        </p:nvCxnSpPr>
-        <p:spPr>
-          <a:xfrm rot="16200000" flipH="1">
-            <a:off x="8594715" y="1440058"/>
-            <a:ext cx="144000" cy="0"/>
-          </a:xfrm>
-          <a:prstGeom prst="bentConnector3">
-            <a:avLst>
-              <a:gd name="adj1" fmla="val 56140"/>
-            </a:avLst>
-          </a:prstGeom>
-          <a:ln w="12700">
-            <a:solidFill>
-              <a:schemeClr val="tx1"/>
-            </a:solidFill>
-          </a:ln>
-        </p:spPr>
-        <p:style>
-          <a:lnRef idx="1">
-            <a:schemeClr val="accent1"/>
-          </a:lnRef>
-          <a:fillRef idx="0">
-            <a:schemeClr val="accent1"/>
-          </a:fillRef>
-          <a:effectRef idx="0">
-            <a:schemeClr val="accent1"/>
-          </a:effectRef>
-          <a:fontRef idx="minor">
-            <a:schemeClr val="tx1"/>
-          </a:fontRef>
-        </p:style>
-      </p:cxnSp>
-      <p:sp>
-        <p:nvSpPr>
           <p:cNvPr id="119" name="Rectángulo 215" descr="Nodo de primer nivel" title="Nodo01"/>
           <p:cNvSpPr/>
           <p:nvPr/>
         </p:nvSpPr>
         <p:spPr>
           <a:xfrm>
-            <a:off x="7926742" y="890019"/>
-            <a:ext cx="1124746" cy="439782"/>
+            <a:off x="7200874" y="871442"/>
+            <a:ext cx="1896364" cy="448198"/>
           </a:xfrm>
           <a:prstGeom prst="rect">
             <a:avLst/>
@@ -3193,7 +2440,7 @@
             <a:pPr algn="ctr"/>
             <a:r>
               <a:rPr lang="es-ES" sz="1200" b="1" dirty="0" smtClean="0"/>
-              <a:t>El anuncio publicitario</a:t>
+              <a:t>Comprensión y producción textual</a:t>
             </a:r>
             <a:endParaRPr lang="es-ES" sz="1200" b="1" dirty="0"/>
           </a:p>
@@ -3207,7 +2454,7 @@
         </p:nvSpPr>
         <p:spPr>
           <a:xfrm>
-            <a:off x="4857316" y="826472"/>
+            <a:off x="4930864" y="879857"/>
             <a:ext cx="1124746" cy="439782"/>
           </a:xfrm>
           <a:prstGeom prst="rect">
@@ -3259,14 +2506,12 @@
       <p:cxnSp>
         <p:nvCxnSpPr>
           <p:cNvPr id="135" name="Conector angular 30"/>
-          <p:cNvCxnSpPr>
-            <a:endCxn id="218" idx="0"/>
-          </p:cNvCxnSpPr>
+          <p:cNvCxnSpPr/>
           <p:nvPr/>
         </p:nvCxnSpPr>
         <p:spPr>
           <a:xfrm rot="16200000" flipH="1">
-            <a:off x="3252530" y="1538562"/>
+            <a:off x="3456057" y="1462801"/>
             <a:ext cx="283111" cy="0"/>
           </a:xfrm>
           <a:prstGeom prst="bentConnector3">
@@ -3297,18 +2542,18 @@
       </p:cxnSp>
       <p:cxnSp>
         <p:nvCxnSpPr>
-          <p:cNvPr id="93" name="Conector angular 220"/>
+          <p:cNvPr id="118" name="Conector angular 75"/>
           <p:cNvCxnSpPr/>
           <p:nvPr/>
         </p:nvCxnSpPr>
         <p:spPr>
           <a:xfrm rot="16200000" flipH="1">
-            <a:off x="4107837" y="1711860"/>
-            <a:ext cx="154109" cy="1275294"/>
+            <a:off x="718671" y="2284972"/>
+            <a:ext cx="143029" cy="877"/>
           </a:xfrm>
           <a:prstGeom prst="bentConnector3">
             <a:avLst>
-              <a:gd name="adj1" fmla="val -10037"/>
+              <a:gd name="adj1" fmla="val -216379"/>
             </a:avLst>
           </a:prstGeom>
           <a:ln w="12700">
@@ -3332,16 +2577,208 @@
           </a:fontRef>
         </p:style>
       </p:cxnSp>
+      <p:sp>
+        <p:nvSpPr>
+          <p:cNvPr id="121" name="CuadroTexto 66" descr="Conector entre nodos" title="conector"/>
+          <p:cNvSpPr txBox="1"/>
+          <p:nvPr/>
+        </p:nvSpPr>
+        <p:spPr>
+          <a:xfrm>
+            <a:off x="1535950" y="2093219"/>
+            <a:ext cx="1232563" cy="215444"/>
+          </a:xfrm>
+          <a:prstGeom prst="rect">
+            <a:avLst/>
+          </a:prstGeom>
+          <a:noFill/>
+        </p:spPr>
+        <p:txBody>
+          <a:bodyPr wrap="square" rtlCol="0">
+            <a:spAutoFit/>
+          </a:bodyPr>
+          <a:lstStyle/>
+          <a:p>
+            <a:pPr algn="ctr"/>
+            <a:r>
+              <a:rPr lang="es-ES" sz="800" dirty="0"/>
+              <a:t>t</a:t>
+            </a:r>
+            <a:r>
+              <a:rPr lang="es-ES" sz="800" dirty="0" smtClean="0"/>
+              <a:t>rata temas referidos a</a:t>
+            </a:r>
+            <a:endParaRPr lang="es-ES" sz="800" dirty="0"/>
+          </a:p>
+        </p:txBody>
+      </p:sp>
+      <p:sp>
+        <p:nvSpPr>
+          <p:cNvPr id="122" name="Rectángulo 71" descr="Nodo de tercer nivel" title="Nodo03"/>
+          <p:cNvSpPr/>
+          <p:nvPr/>
+        </p:nvSpPr>
+        <p:spPr>
+          <a:xfrm>
+            <a:off x="1613196" y="2789184"/>
+            <a:ext cx="1046815" cy="528432"/>
+          </a:xfrm>
+          <a:prstGeom prst="rect">
+            <a:avLst/>
+          </a:prstGeom>
+          <a:solidFill>
+            <a:schemeClr val="bg2">
+              <a:lumMod val="90000"/>
+            </a:schemeClr>
+          </a:solidFill>
+          <a:ln>
+            <a:solidFill>
+              <a:schemeClr val="tx1"/>
+            </a:solidFill>
+          </a:ln>
+        </p:spPr>
+        <p:style>
+          <a:lnRef idx="2">
+            <a:schemeClr val="accent6"/>
+          </a:lnRef>
+          <a:fillRef idx="1">
+            <a:schemeClr val="lt1"/>
+          </a:fillRef>
+          <a:effectRef idx="0">
+            <a:schemeClr val="accent6"/>
+          </a:effectRef>
+          <a:fontRef idx="minor">
+            <a:schemeClr val="dk1"/>
+          </a:fontRef>
+        </p:style>
+        <p:txBody>
+          <a:bodyPr rtlCol="0" anchor="ctr"/>
+          <a:lstStyle/>
+          <a:p>
+            <a:pPr marL="171450" indent="-171450">
+              <a:buFont typeface="Arial" panose="020B0604020202020204" pitchFamily="34" charset="0"/>
+              <a:buChar char="•"/>
+            </a:pPr>
+            <a:endParaRPr lang="es-ES" sz="900" dirty="0" smtClean="0">
+              <a:solidFill>
+                <a:schemeClr val="tx1"/>
+              </a:solidFill>
+            </a:endParaRPr>
+          </a:p>
+          <a:p>
+            <a:pPr marL="171450" indent="-171450">
+              <a:buFont typeface="Arial" panose="020B0604020202020204" pitchFamily="34" charset="0"/>
+              <a:buChar char="•"/>
+            </a:pPr>
+            <a:endParaRPr lang="es-ES" sz="900" dirty="0" smtClean="0">
+              <a:solidFill>
+                <a:schemeClr val="tx1"/>
+              </a:solidFill>
+            </a:endParaRPr>
+          </a:p>
+          <a:p>
+            <a:pPr marL="171450" indent="-171450">
+              <a:buFont typeface="Arial" panose="020B0604020202020204" pitchFamily="34" charset="0"/>
+              <a:buChar char="•"/>
+            </a:pPr>
+            <a:r>
+              <a:rPr lang="es-ES" sz="900" dirty="0" smtClean="0">
+                <a:solidFill>
+                  <a:schemeClr val="tx1"/>
+                </a:solidFill>
+              </a:rPr>
+              <a:t>la religión</a:t>
+            </a:r>
+            <a:endParaRPr lang="es-ES" sz="900" i="1" dirty="0">
+              <a:solidFill>
+                <a:schemeClr val="tx1"/>
+              </a:solidFill>
+            </a:endParaRPr>
+          </a:p>
+          <a:p>
+            <a:pPr marL="171450" indent="-171450">
+              <a:buFont typeface="Arial" panose="020B0604020202020204" pitchFamily="34" charset="0"/>
+              <a:buChar char="•"/>
+            </a:pPr>
+            <a:r>
+              <a:rPr lang="es-ES" sz="900" dirty="0">
+                <a:solidFill>
+                  <a:schemeClr val="tx1"/>
+                </a:solidFill>
+              </a:rPr>
+              <a:t>l</a:t>
+            </a:r>
+            <a:r>
+              <a:rPr lang="es-ES" sz="900" dirty="0" smtClean="0">
+                <a:solidFill>
+                  <a:schemeClr val="tx1"/>
+                </a:solidFill>
+              </a:rPr>
+              <a:t>a magia</a:t>
+            </a:r>
+            <a:r>
+              <a:rPr lang="es-ES" sz="900" i="1" dirty="0" smtClean="0">
+                <a:solidFill>
+                  <a:schemeClr val="tx1"/>
+                </a:solidFill>
+              </a:rPr>
+              <a:t> </a:t>
+            </a:r>
+          </a:p>
+          <a:p>
+            <a:pPr marL="171450" indent="-171450">
+              <a:buFont typeface="Arial" panose="020B0604020202020204" pitchFamily="34" charset="0"/>
+              <a:buChar char="•"/>
+            </a:pPr>
+            <a:r>
+              <a:rPr lang="es-ES" sz="900" dirty="0">
+                <a:solidFill>
+                  <a:schemeClr val="tx1"/>
+                </a:solidFill>
+              </a:rPr>
+              <a:t>l</a:t>
+            </a:r>
+            <a:r>
+              <a:rPr lang="es-ES" sz="900" dirty="0" smtClean="0">
+                <a:solidFill>
+                  <a:schemeClr val="tx1"/>
+                </a:solidFill>
+              </a:rPr>
+              <a:t>a naturaleza</a:t>
+            </a:r>
+            <a:endParaRPr lang="es-ES" sz="900" i="1" dirty="0" smtClean="0">
+              <a:solidFill>
+                <a:schemeClr val="tx1"/>
+              </a:solidFill>
+            </a:endParaRPr>
+          </a:p>
+          <a:p>
+            <a:endParaRPr lang="es-ES" sz="900" i="1" dirty="0" smtClean="0">
+              <a:solidFill>
+                <a:schemeClr val="tx1"/>
+              </a:solidFill>
+            </a:endParaRPr>
+          </a:p>
+          <a:p>
+            <a:pPr algn="ctr"/>
+            <a:endParaRPr lang="es-ES" sz="900" dirty="0">
+              <a:solidFill>
+                <a:schemeClr val="tx1"/>
+              </a:solidFill>
+            </a:endParaRPr>
+          </a:p>
+        </p:txBody>
+      </p:sp>
       <p:cxnSp>
         <p:nvCxnSpPr>
-          <p:cNvPr id="103" name="Conector angular 339"/>
+          <p:cNvPr id="124" name="Conector angular 75"/>
           <p:cNvCxnSpPr/>
           <p:nvPr/>
         </p:nvCxnSpPr>
         <p:spPr>
           <a:xfrm rot="16200000" flipH="1">
-            <a:off x="8624963" y="736254"/>
-            <a:ext cx="324000" cy="3411"/>
+            <a:off x="2073909" y="1999520"/>
+            <a:ext cx="143029" cy="877"/>
           </a:xfrm>
           <a:prstGeom prst="bentConnector3">
             <a:avLst>
@@ -3371,14 +2808,82 @@
       </p:cxnSp>
       <p:sp>
         <p:nvSpPr>
-          <p:cNvPr id="109" name="Rectángulo 43" descr="Nodo de segundo nivel" title="Nodo02"/>
+          <p:cNvPr id="166" name="CuadroTexto 221" descr="Conector entre nodos" title="conector"/>
+          <p:cNvSpPr txBox="1"/>
+          <p:nvPr/>
+        </p:nvSpPr>
+        <p:spPr>
+          <a:xfrm>
+            <a:off x="3961104" y="3265050"/>
+            <a:ext cx="1276250" cy="215444"/>
+          </a:xfrm>
+          <a:prstGeom prst="rect">
+            <a:avLst/>
+          </a:prstGeom>
+          <a:noFill/>
+        </p:spPr>
+        <p:txBody>
+          <a:bodyPr wrap="square" rtlCol="0">
+            <a:spAutoFit/>
+          </a:bodyPr>
+          <a:lstStyle/>
+          <a:p>
+            <a:pPr algn="ctr"/>
+            <a:r>
+              <a:rPr lang="es-ES" sz="800" dirty="0" smtClean="0"/>
+              <a:t>cuando</a:t>
+            </a:r>
+            <a:endParaRPr lang="es-ES" sz="800" dirty="0"/>
+          </a:p>
+        </p:txBody>
+      </p:sp>
+      <p:cxnSp>
+        <p:nvCxnSpPr>
+          <p:cNvPr id="170" name="Conector angular 260"/>
+          <p:cNvCxnSpPr/>
+          <p:nvPr/>
+        </p:nvCxnSpPr>
+        <p:spPr>
+          <a:xfrm rot="5400000">
+            <a:off x="4276655" y="3781151"/>
+            <a:ext cx="611247" cy="0"/>
+          </a:xfrm>
+          <a:prstGeom prst="bentConnector3">
+            <a:avLst>
+              <a:gd name="adj1" fmla="val 50000"/>
+            </a:avLst>
+          </a:prstGeom>
+          <a:ln w="12700">
+            <a:solidFill>
+              <a:schemeClr val="tx1"/>
+            </a:solidFill>
+          </a:ln>
+        </p:spPr>
+        <p:style>
+          <a:lnRef idx="1">
+            <a:schemeClr val="accent1"/>
+          </a:lnRef>
+          <a:fillRef idx="0">
+            <a:schemeClr val="accent1"/>
+          </a:fillRef>
+          <a:effectRef idx="0">
+            <a:schemeClr val="accent1"/>
+          </a:effectRef>
+          <a:fontRef idx="minor">
+            <a:schemeClr val="tx1"/>
+          </a:fontRef>
+        </p:style>
+      </p:cxnSp>
+      <p:sp>
+        <p:nvSpPr>
+          <p:cNvPr id="189" name="Rectángulo 219" descr="Nodo de segundo nivel" title="Nodo02"/>
           <p:cNvSpPr/>
           <p:nvPr/>
         </p:nvSpPr>
         <p:spPr>
           <a:xfrm>
-            <a:off x="1515228" y="1881095"/>
-            <a:ext cx="1022496" cy="357473"/>
+            <a:off x="4536739" y="1739410"/>
+            <a:ext cx="1023359" cy="260554"/>
           </a:xfrm>
           <a:prstGeom prst="rect">
             <a:avLst/>
@@ -3419,7 +2924,7 @@
                   <a:schemeClr val="bg1"/>
                 </a:solidFill>
               </a:rPr>
-              <a:t>Mitos y leyendas</a:t>
+              <a:t>Los diptongos</a:t>
             </a:r>
             <a:endParaRPr lang="es-ES" sz="1050" dirty="0">
               <a:solidFill>
@@ -3429,121 +2934,136 @@
           </a:p>
         </p:txBody>
       </p:sp>
-      <p:cxnSp>
-        <p:nvCxnSpPr>
-          <p:cNvPr id="113" name="Conector angular 44"/>
-          <p:cNvCxnSpPr/>
-          <p:nvPr/>
-        </p:nvCxnSpPr>
+      <p:sp>
+        <p:nvSpPr>
+          <p:cNvPr id="192" name="Rectángulo 219" descr="Nodo de segundo nivel" title="Nodo02"/>
+          <p:cNvSpPr/>
+          <p:nvPr/>
+        </p:nvSpPr>
         <p:spPr>
           <a:xfrm>
-            <a:off x="1362285" y="1581297"/>
-            <a:ext cx="642291" cy="266211"/>
-          </a:xfrm>
-          <a:prstGeom prst="bentConnector3">
-            <a:avLst>
-              <a:gd name="adj1" fmla="val 98448"/>
-            </a:avLst>
-          </a:prstGeom>
-          <a:ln w="12700">
+            <a:off x="5679764" y="1820284"/>
+            <a:ext cx="999077" cy="251189"/>
+          </a:xfrm>
+          <a:prstGeom prst="rect">
+            <a:avLst/>
+          </a:prstGeom>
+          <a:solidFill>
+            <a:schemeClr val="bg2">
+              <a:lumMod val="50000"/>
+            </a:schemeClr>
+          </a:solidFill>
+          <a:ln>
             <a:solidFill>
               <a:schemeClr val="tx1"/>
             </a:solidFill>
           </a:ln>
         </p:spPr>
         <p:style>
-          <a:lnRef idx="1">
-            <a:schemeClr val="accent1"/>
-          </a:lnRef>
-          <a:fillRef idx="0">
-            <a:schemeClr val="accent1"/>
+          <a:lnRef idx="2">
+            <a:schemeClr val="accent6"/>
+          </a:lnRef>
+          <a:fillRef idx="1">
+            <a:schemeClr val="lt1"/>
           </a:fillRef>
           <a:effectRef idx="0">
-            <a:schemeClr val="accent1"/>
-          </a:effectRef>
-          <a:fontRef idx="minor">
-            <a:schemeClr val="tx1"/>
-          </a:fontRef>
-        </p:style>
-      </p:cxnSp>
-      <p:cxnSp>
-        <p:nvCxnSpPr>
-          <p:cNvPr id="118" name="Conector angular 75"/>
-          <p:cNvCxnSpPr/>
-          <p:nvPr/>
-        </p:nvCxnSpPr>
-        <p:spPr>
-          <a:xfrm rot="16200000" flipH="1">
-            <a:off x="726634" y="2313428"/>
-            <a:ext cx="143029" cy="877"/>
-          </a:xfrm>
-          <a:prstGeom prst="bentConnector3">
-            <a:avLst>
-              <a:gd name="adj1" fmla="val 50000"/>
-            </a:avLst>
-          </a:prstGeom>
-          <a:ln w="12700">
+            <a:schemeClr val="accent6"/>
+          </a:effectRef>
+          <a:fontRef idx="minor">
+            <a:schemeClr val="dk1"/>
+          </a:fontRef>
+        </p:style>
+        <p:txBody>
+          <a:bodyPr rtlCol="0" anchor="ctr"/>
+          <a:lstStyle/>
+          <a:p>
+            <a:pPr algn="ctr"/>
+            <a:r>
+              <a:rPr lang="es-ES" sz="1050" dirty="0" smtClean="0">
+                <a:solidFill>
+                  <a:schemeClr val="bg1"/>
+                </a:solidFill>
+              </a:rPr>
+              <a:t>Los hiatos</a:t>
+            </a:r>
+            <a:endParaRPr lang="es-ES" sz="1050" dirty="0">
+              <a:solidFill>
+                <a:schemeClr val="bg1"/>
+              </a:solidFill>
+            </a:endParaRPr>
+          </a:p>
+        </p:txBody>
+      </p:sp>
+      <p:sp>
+        <p:nvSpPr>
+          <p:cNvPr id="194" name="Rectángulo 219" descr="Nodo de segundo nivel" title="Nodo02"/>
+          <p:cNvSpPr/>
+          <p:nvPr/>
+        </p:nvSpPr>
+        <p:spPr>
+          <a:xfrm>
+            <a:off x="6835695" y="1830644"/>
+            <a:ext cx="983258" cy="249216"/>
+          </a:xfrm>
+          <a:prstGeom prst="rect">
+            <a:avLst/>
+          </a:prstGeom>
+          <a:solidFill>
+            <a:schemeClr val="bg2">
+              <a:lumMod val="50000"/>
+            </a:schemeClr>
+          </a:solidFill>
+          <a:ln>
             <a:solidFill>
               <a:schemeClr val="tx1"/>
             </a:solidFill>
           </a:ln>
         </p:spPr>
         <p:style>
-          <a:lnRef idx="1">
-            <a:schemeClr val="accent1"/>
-          </a:lnRef>
-          <a:fillRef idx="0">
-            <a:schemeClr val="accent1"/>
+          <a:lnRef idx="2">
+            <a:schemeClr val="accent6"/>
+          </a:lnRef>
+          <a:fillRef idx="1">
+            <a:schemeClr val="lt1"/>
           </a:fillRef>
           <a:effectRef idx="0">
-            <a:schemeClr val="accent1"/>
-          </a:effectRef>
-          <a:fontRef idx="minor">
-            <a:schemeClr val="tx1"/>
-          </a:fontRef>
-        </p:style>
-      </p:cxnSp>
-      <p:sp>
-        <p:nvSpPr>
-          <p:cNvPr id="121" name="CuadroTexto 66" descr="Conector entre nodos" title="conector"/>
-          <p:cNvSpPr txBox="1"/>
-          <p:nvPr/>
-        </p:nvSpPr>
-        <p:spPr>
-          <a:xfrm>
-            <a:off x="1559525" y="2423649"/>
-            <a:ext cx="1117174" cy="369332"/>
-          </a:xfrm>
-          <a:prstGeom prst="rect">
-            <a:avLst/>
-          </a:prstGeom>
-          <a:noFill/>
-        </p:spPr>
+            <a:schemeClr val="accent6"/>
+          </a:effectRef>
+          <a:fontRef idx="minor">
+            <a:schemeClr val="dk1"/>
+          </a:fontRef>
+        </p:style>
         <p:txBody>
-          <a:bodyPr wrap="square" rtlCol="0">
-            <a:spAutoFit/>
-          </a:bodyPr>
+          <a:bodyPr rtlCol="0" anchor="ctr"/>
           <a:lstStyle/>
           <a:p>
             <a:pPr algn="ctr"/>
             <a:r>
-              <a:rPr lang="es-ES" sz="900" dirty="0" smtClean="0"/>
-              <a:t>transmitidos por tradición oral</a:t>
-            </a:r>
-            <a:endParaRPr lang="es-ES" sz="900" dirty="0"/>
+              <a:rPr lang="es-ES" sz="1050" dirty="0" smtClean="0">
+                <a:solidFill>
+                  <a:schemeClr val="bg1"/>
+                </a:solidFill>
+              </a:rPr>
+              <a:t>Los triptongos</a:t>
+            </a:r>
+            <a:endParaRPr lang="es-ES" sz="1050" dirty="0">
+              <a:solidFill>
+                <a:schemeClr val="bg1"/>
+              </a:solidFill>
+            </a:endParaRPr>
           </a:p>
         </p:txBody>
       </p:sp>
       <p:sp>
         <p:nvSpPr>
-          <p:cNvPr id="122" name="Rectángulo 71" descr="Nodo de tercer nivel" title="Nodo03"/>
+          <p:cNvPr id="210" name="Rectángulo 283" descr="Nodo de tercer nivel" title="Nodo03"/>
           <p:cNvSpPr/>
           <p:nvPr/>
         </p:nvSpPr>
         <p:spPr>
           <a:xfrm>
-            <a:off x="1557773" y="2797514"/>
-            <a:ext cx="1122431" cy="1273339"/>
+            <a:off x="6173633" y="2998585"/>
+            <a:ext cx="1027241" cy="595202"/>
           </a:xfrm>
           <a:prstGeom prst="rect">
             <a:avLst/>
@@ -3577,113 +3097,186 @@
           <a:bodyPr rtlCol="0" anchor="ctr"/>
           <a:lstStyle/>
           <a:p>
-            <a:pPr marL="171450" indent="-171450">
-              <a:buFont typeface="Arial" panose="020B0604020202020204" pitchFamily="34" charset="0"/>
-              <a:buChar char="•"/>
-            </a:pPr>
+            <a:pPr algn="ctr"/>
             <a:r>
               <a:rPr lang="es-ES" sz="900" dirty="0" smtClean="0">
                 <a:solidFill>
                   <a:schemeClr val="tx1"/>
                 </a:solidFill>
               </a:rPr>
-              <a:t>Leyenda de </a:t>
-            </a:r>
-            <a:r>
-              <a:rPr lang="es-ES" sz="900" i="1" dirty="0" err="1" smtClean="0">
+              <a:t>se combinan dos vocales seguidas en diferentes sílabas</a:t>
+            </a:r>
+            <a:endParaRPr lang="es-ES" sz="900" dirty="0">
+              <a:solidFill>
+                <a:schemeClr val="tx1"/>
+              </a:solidFill>
+            </a:endParaRPr>
+          </a:p>
+        </p:txBody>
+      </p:sp>
+      <p:sp>
+        <p:nvSpPr>
+          <p:cNvPr id="213" name="Rectángulo 307" descr="Nodo de cuarto nivel&#10;" title="Nodo04"/>
+          <p:cNvSpPr/>
+          <p:nvPr/>
+        </p:nvSpPr>
+        <p:spPr>
+          <a:xfrm>
+            <a:off x="6293492" y="4308215"/>
+            <a:ext cx="838494" cy="1010452"/>
+          </a:xfrm>
+          <a:prstGeom prst="rect">
+            <a:avLst/>
+          </a:prstGeom>
+          <a:solidFill>
+            <a:schemeClr val="bg1"/>
+          </a:solidFill>
+          <a:ln>
+            <a:solidFill>
+              <a:schemeClr val="tx1"/>
+            </a:solidFill>
+          </a:ln>
+        </p:spPr>
+        <p:style>
+          <a:lnRef idx="2">
+            <a:schemeClr val="accent6"/>
+          </a:lnRef>
+          <a:fillRef idx="1">
+            <a:schemeClr val="lt1"/>
+          </a:fillRef>
+          <a:effectRef idx="0">
+            <a:schemeClr val="accent6"/>
+          </a:effectRef>
+          <a:fontRef idx="minor">
+            <a:schemeClr val="dk1"/>
+          </a:fontRef>
+        </p:style>
+        <p:txBody>
+          <a:bodyPr rtlCol="0" anchor="ctr"/>
+          <a:lstStyle/>
+          <a:p>
+            <a:pPr marL="171450" indent="-171450">
+              <a:buFont typeface="Arial"/>
+              <a:buChar char="•"/>
+            </a:pPr>
+            <a:r>
+              <a:rPr lang="es-ES" sz="900" dirty="0">
                 <a:solidFill>
                   <a:schemeClr val="tx1"/>
                 </a:solidFill>
               </a:rPr>
-              <a:t>Yurupary</a:t>
-            </a:r>
-            <a:endParaRPr lang="es-ES" sz="900" i="1" dirty="0">
-              <a:solidFill>
-                <a:schemeClr val="tx1"/>
-              </a:solidFill>
-            </a:endParaRPr>
-          </a:p>
-          <a:p>
-            <a:pPr marL="171450" indent="-171450">
-              <a:buFont typeface="Arial" panose="020B0604020202020204" pitchFamily="34" charset="0"/>
-              <a:buChar char="•"/>
-            </a:pPr>
+              <a:t>b</a:t>
+            </a:r>
             <a:r>
               <a:rPr lang="es-ES" sz="900" dirty="0" smtClean="0">
                 <a:solidFill>
                   <a:schemeClr val="tx1"/>
                 </a:solidFill>
               </a:rPr>
-              <a:t>Leyenda de </a:t>
-            </a:r>
-            <a:r>
-              <a:rPr lang="es-ES" sz="900" i="1" dirty="0" smtClean="0">
+              <a:t>ahía</a:t>
+            </a:r>
+          </a:p>
+          <a:p>
+            <a:pPr marL="171450" indent="-171450">
+              <a:buFont typeface="Arial"/>
+              <a:buChar char="•"/>
+            </a:pPr>
+            <a:r>
+              <a:rPr lang="es-ES" sz="900" dirty="0">
                 <a:solidFill>
                   <a:schemeClr val="tx1"/>
                 </a:solidFill>
               </a:rPr>
-              <a:t>El Dorado.</a:t>
-            </a:r>
-          </a:p>
-          <a:p>
-            <a:pPr marL="171450" indent="-171450">
-              <a:buFont typeface="Arial" panose="020B0604020202020204" pitchFamily="34" charset="0"/>
-              <a:buChar char="•"/>
-            </a:pPr>
+              <a:t>o</a:t>
+            </a:r>
             <a:r>
               <a:rPr lang="es-ES" sz="900" dirty="0" smtClean="0">
                 <a:solidFill>
                   <a:schemeClr val="tx1"/>
                 </a:solidFill>
               </a:rPr>
-              <a:t>Mito de </a:t>
-            </a:r>
-            <a:r>
-              <a:rPr lang="es-ES" sz="900" i="1" dirty="0" err="1" smtClean="0">
+              <a:t>boe</a:t>
+            </a:r>
+          </a:p>
+          <a:p>
+            <a:pPr marL="171450" indent="-171450">
+              <a:buFont typeface="Arial"/>
+              <a:buChar char="•"/>
+            </a:pPr>
+            <a:r>
+              <a:rPr lang="es-ES" sz="900" dirty="0">
                 <a:solidFill>
                   <a:schemeClr val="tx1"/>
                 </a:solidFill>
               </a:rPr>
-              <a:t>Mirthayú</a:t>
-            </a:r>
-            <a:endParaRPr lang="es-ES" sz="900" i="1" dirty="0" smtClean="0">
-              <a:solidFill>
-                <a:schemeClr val="tx1"/>
-              </a:solidFill>
-            </a:endParaRPr>
-          </a:p>
-          <a:p>
-            <a:pPr marL="171450" indent="-171450">
-              <a:buFont typeface="Arial" panose="020B0604020202020204" pitchFamily="34" charset="0"/>
-              <a:buChar char="•"/>
-            </a:pPr>
+              <a:t>b</a:t>
+            </a:r>
             <a:r>
               <a:rPr lang="es-ES" sz="900" dirty="0" smtClean="0">
                 <a:solidFill>
                   <a:schemeClr val="tx1"/>
                 </a:solidFill>
               </a:rPr>
-              <a:t>Mito </a:t>
-            </a:r>
-            <a:r>
-              <a:rPr lang="es-ES" sz="900" i="1" dirty="0" err="1" smtClean="0">
+              <a:t>aldío</a:t>
+            </a:r>
+          </a:p>
+          <a:p>
+            <a:pPr marL="171450" indent="-171450">
+              <a:buFont typeface="Arial"/>
+              <a:buChar char="•"/>
+            </a:pPr>
+            <a:r>
+              <a:rPr lang="es-ES" sz="900" dirty="0" smtClean="0">
                 <a:solidFill>
                   <a:schemeClr val="tx1"/>
                 </a:solidFill>
               </a:rPr>
-              <a:t>Kuiva</a:t>
-            </a:r>
-            <a:r>
-              <a:rPr lang="es-ES" sz="900" i="1" dirty="0" smtClean="0">
+              <a:t>Isaías</a:t>
+            </a:r>
+          </a:p>
+          <a:p>
+            <a:pPr marL="171450" indent="-171450">
+              <a:buFont typeface="Arial"/>
+              <a:buChar char="•"/>
+            </a:pPr>
+            <a:r>
+              <a:rPr lang="es-ES" sz="900" dirty="0">
                 <a:solidFill>
                   <a:schemeClr val="tx1"/>
                 </a:solidFill>
               </a:rPr>
-              <a:t> </a:t>
-            </a:r>
-          </a:p>
-          <a:p>
-            <a:pPr algn="ctr"/>
+              <a:t>t</a:t>
+            </a:r>
+            <a:r>
+              <a:rPr lang="es-ES" sz="900" dirty="0" smtClean="0">
+                <a:solidFill>
+                  <a:schemeClr val="tx1"/>
+                </a:solidFill>
+              </a:rPr>
+              <a:t>areas</a:t>
+            </a:r>
+          </a:p>
+          <a:p>
+            <a:pPr marL="171450" indent="-171450">
+              <a:buFont typeface="Arial"/>
+              <a:buChar char="•"/>
+            </a:pPr>
+            <a:r>
+              <a:rPr lang="es-ES" sz="900" dirty="0">
+                <a:solidFill>
+                  <a:schemeClr val="tx1"/>
+                </a:solidFill>
+              </a:rPr>
+              <a:t>v</a:t>
+            </a:r>
+            <a:r>
+              <a:rPr lang="es-ES" sz="900" dirty="0" smtClean="0">
+                <a:solidFill>
+                  <a:schemeClr val="tx1"/>
+                </a:solidFill>
+              </a:rPr>
+              <a:t>aho</a:t>
+            </a:r>
             <a:endParaRPr lang="es-ES" sz="900" dirty="0">
               <a:solidFill>
                 <a:schemeClr val="tx1"/>
@@ -3692,19 +3285,51 @@
           </a:p>
         </p:txBody>
       </p:sp>
+      <p:sp>
+        <p:nvSpPr>
+          <p:cNvPr id="214" name="CuadroTexto 221" descr="Conector entre nodos" title="conector"/>
+          <p:cNvSpPr txBox="1"/>
+          <p:nvPr/>
+        </p:nvSpPr>
+        <p:spPr>
+          <a:xfrm>
+            <a:off x="5803095" y="2237037"/>
+            <a:ext cx="1117174" cy="215444"/>
+          </a:xfrm>
+          <a:prstGeom prst="rect">
+            <a:avLst/>
+          </a:prstGeom>
+          <a:noFill/>
+        </p:spPr>
+        <p:txBody>
+          <a:bodyPr wrap="square" rtlCol="0">
+            <a:spAutoFit/>
+          </a:bodyPr>
+          <a:lstStyle/>
+          <a:p>
+            <a:pPr algn="ctr"/>
+            <a:r>
+              <a:rPr lang="es-ES" sz="800" dirty="0"/>
+              <a:t>s</a:t>
+            </a:r>
+            <a:r>
+              <a:rPr lang="es-ES" sz="800" dirty="0" smtClean="0"/>
+              <a:t>e presentan cuando</a:t>
+            </a:r>
+            <a:endParaRPr lang="es-ES" sz="800" dirty="0"/>
+          </a:p>
+        </p:txBody>
+      </p:sp>
       <p:cxnSp>
         <p:nvCxnSpPr>
-          <p:cNvPr id="123" name="Conector angular 75"/>
-          <p:cNvCxnSpPr>
-            <a:stCxn id="121" idx="2"/>
-            <a:endCxn id="122" idx="0"/>
-          </p:cNvCxnSpPr>
+          <p:cNvPr id="215" name="Conector angular 222"/>
+          <p:cNvCxnSpPr/>
           <p:nvPr/>
         </p:nvCxnSpPr>
         <p:spPr>
-          <a:xfrm rot="16200000" flipH="1">
-            <a:off x="2116284" y="2794808"/>
-            <a:ext cx="4533" cy="877"/>
+          <a:xfrm rot="5400000">
+            <a:off x="6107351" y="2141946"/>
+            <a:ext cx="143025" cy="876"/>
           </a:xfrm>
           <a:prstGeom prst="bentConnector3">
             <a:avLst>
@@ -3734,18 +3359,18 @@
       </p:cxnSp>
       <p:cxnSp>
         <p:nvCxnSpPr>
-          <p:cNvPr id="124" name="Conector angular 75"/>
+          <p:cNvPr id="217" name="Conector angular 259"/>
           <p:cNvCxnSpPr/>
           <p:nvPr/>
         </p:nvCxnSpPr>
         <p:spPr>
           <a:xfrm rot="16200000" flipH="1">
-            <a:off x="2039643" y="2356487"/>
-            <a:ext cx="143029" cy="877"/>
+            <a:off x="6139488" y="2483953"/>
+            <a:ext cx="557405" cy="471857"/>
           </a:xfrm>
           <a:prstGeom prst="bentConnector3">
             <a:avLst>
-              <a:gd name="adj1" fmla="val 50000"/>
+              <a:gd name="adj1" fmla="val 40886"/>
             </a:avLst>
           </a:prstGeom>
           <a:ln w="12700">
@@ -3769,20 +3394,274 @@
           </a:fontRef>
         </p:style>
       </p:cxnSp>
+      <p:sp>
+        <p:nvSpPr>
+          <p:cNvPr id="290" name="Rectángulo 283" descr="Nodo de tercer nivel" title="Nodo03"/>
+          <p:cNvSpPr/>
+          <p:nvPr/>
+        </p:nvSpPr>
+        <p:spPr>
+          <a:xfrm>
+            <a:off x="7243130" y="3310905"/>
+            <a:ext cx="838316" cy="742557"/>
+          </a:xfrm>
+          <a:prstGeom prst="rect">
+            <a:avLst/>
+          </a:prstGeom>
+          <a:solidFill>
+            <a:schemeClr val="bg2">
+              <a:lumMod val="90000"/>
+            </a:schemeClr>
+          </a:solidFill>
+          <a:ln>
+            <a:solidFill>
+              <a:schemeClr val="tx1"/>
+            </a:solidFill>
+          </a:ln>
+        </p:spPr>
+        <p:style>
+          <a:lnRef idx="2">
+            <a:schemeClr val="accent6"/>
+          </a:lnRef>
+          <a:fillRef idx="1">
+            <a:schemeClr val="lt1"/>
+          </a:fillRef>
+          <a:effectRef idx="0">
+            <a:schemeClr val="accent6"/>
+          </a:effectRef>
+          <a:fontRef idx="minor">
+            <a:schemeClr val="dk1"/>
+          </a:fontRef>
+        </p:style>
+        <p:txBody>
+          <a:bodyPr rtlCol="0" anchor="ctr"/>
+          <a:lstStyle/>
+          <a:p>
+            <a:pPr algn="ctr"/>
+            <a:r>
+              <a:rPr lang="es-ES" sz="900" dirty="0">
+                <a:solidFill>
+                  <a:schemeClr val="tx1"/>
+                </a:solidFill>
+              </a:rPr>
+              <a:t>l</a:t>
+            </a:r>
+            <a:r>
+              <a:rPr lang="es-ES" sz="900" dirty="0" smtClean="0">
+                <a:solidFill>
+                  <a:schemeClr val="tx1"/>
+                </a:solidFill>
+              </a:rPr>
+              <a:t>a unión de tres vocales en una sola sílaba</a:t>
+            </a:r>
+            <a:endParaRPr lang="es-ES" sz="900" dirty="0">
+              <a:solidFill>
+                <a:schemeClr val="tx1"/>
+              </a:solidFill>
+            </a:endParaRPr>
+          </a:p>
+        </p:txBody>
+      </p:sp>
+      <p:sp>
+        <p:nvSpPr>
+          <p:cNvPr id="291" name="Rectángulo 307" descr="Nodo de cuarto nivel&#10;" title="Nodo04"/>
+          <p:cNvSpPr/>
+          <p:nvPr/>
+        </p:nvSpPr>
+        <p:spPr>
+          <a:xfrm>
+            <a:off x="7278362" y="4927828"/>
+            <a:ext cx="810275" cy="709101"/>
+          </a:xfrm>
+          <a:prstGeom prst="rect">
+            <a:avLst/>
+          </a:prstGeom>
+          <a:solidFill>
+            <a:schemeClr val="bg1"/>
+          </a:solidFill>
+          <a:ln>
+            <a:solidFill>
+              <a:schemeClr val="tx1"/>
+            </a:solidFill>
+          </a:ln>
+        </p:spPr>
+        <p:style>
+          <a:lnRef idx="2">
+            <a:schemeClr val="accent6"/>
+          </a:lnRef>
+          <a:fillRef idx="1">
+            <a:schemeClr val="lt1"/>
+          </a:fillRef>
+          <a:effectRef idx="0">
+            <a:schemeClr val="accent6"/>
+          </a:effectRef>
+          <a:fontRef idx="minor">
+            <a:schemeClr val="dk1"/>
+          </a:fontRef>
+        </p:style>
+        <p:txBody>
+          <a:bodyPr rtlCol="0" anchor="ctr"/>
+          <a:lstStyle/>
+          <a:p>
+            <a:pPr marL="171450" indent="-171450">
+              <a:buFont typeface="Arial"/>
+              <a:buChar char="•"/>
+            </a:pPr>
+            <a:endParaRPr lang="es-ES" sz="900" dirty="0" smtClean="0">
+              <a:solidFill>
+                <a:schemeClr val="tx1"/>
+              </a:solidFill>
+            </a:endParaRPr>
+          </a:p>
+          <a:p>
+            <a:pPr marL="171450" indent="-171450">
+              <a:buFont typeface="Arial"/>
+              <a:buChar char="•"/>
+            </a:pPr>
+            <a:r>
+              <a:rPr lang="es-ES" sz="900" dirty="0" smtClean="0">
+                <a:solidFill>
+                  <a:schemeClr val="tx1"/>
+                </a:solidFill>
+              </a:rPr>
+              <a:t>Uruguay</a:t>
+            </a:r>
+          </a:p>
+          <a:p>
+            <a:pPr marL="171450" indent="-171450">
+              <a:buFont typeface="Arial"/>
+              <a:buChar char="•"/>
+            </a:pPr>
+            <a:r>
+              <a:rPr lang="es-ES" sz="900" dirty="0">
+                <a:solidFill>
+                  <a:schemeClr val="tx1"/>
+                </a:solidFill>
+              </a:rPr>
+              <a:t>c</a:t>
+            </a:r>
+            <a:r>
+              <a:rPr lang="es-ES" sz="900" dirty="0" smtClean="0">
+                <a:solidFill>
+                  <a:schemeClr val="tx1"/>
+                </a:solidFill>
+              </a:rPr>
+              <a:t>ambiáis</a:t>
+            </a:r>
+          </a:p>
+          <a:p>
+            <a:pPr marL="171450" indent="-171450">
+              <a:buFont typeface="Arial"/>
+              <a:buChar char="•"/>
+            </a:pPr>
+            <a:r>
+              <a:rPr lang="es-ES" sz="900" dirty="0">
+                <a:solidFill>
+                  <a:schemeClr val="tx1"/>
+                </a:solidFill>
+              </a:rPr>
+              <a:t>b</a:t>
+            </a:r>
+            <a:r>
+              <a:rPr lang="es-ES" sz="900" dirty="0" smtClean="0">
+                <a:solidFill>
+                  <a:schemeClr val="tx1"/>
+                </a:solidFill>
+              </a:rPr>
+              <a:t>uey</a:t>
+            </a:r>
+          </a:p>
+          <a:p>
+            <a:pPr marL="171450" indent="-171450">
+              <a:buFont typeface="Arial"/>
+              <a:buChar char="•"/>
+            </a:pPr>
+            <a:r>
+              <a:rPr lang="es-ES" sz="900" dirty="0">
+                <a:solidFill>
+                  <a:schemeClr val="tx1"/>
+                </a:solidFill>
+              </a:rPr>
+              <a:t>m</a:t>
+            </a:r>
+            <a:r>
+              <a:rPr lang="es-ES" sz="900" dirty="0" smtClean="0">
+                <a:solidFill>
+                  <a:schemeClr val="tx1"/>
+                </a:solidFill>
+              </a:rPr>
+              <a:t>iau</a:t>
+            </a:r>
+          </a:p>
+          <a:p>
+            <a:pPr marL="171450" indent="-171450">
+              <a:buFont typeface="Arial"/>
+              <a:buChar char="•"/>
+            </a:pPr>
+            <a:endParaRPr lang="es-ES" sz="900" dirty="0" smtClean="0">
+              <a:solidFill>
+                <a:schemeClr val="tx1"/>
+              </a:solidFill>
+            </a:endParaRPr>
+          </a:p>
+          <a:p>
+            <a:endParaRPr lang="es-ES" sz="900" dirty="0">
+              <a:solidFill>
+                <a:schemeClr val="tx1"/>
+              </a:solidFill>
+            </a:endParaRPr>
+          </a:p>
+        </p:txBody>
+      </p:sp>
+      <p:sp>
+        <p:nvSpPr>
+          <p:cNvPr id="292" name="CuadroTexto 221" descr="Conector entre nodos" title="conector"/>
+          <p:cNvSpPr txBox="1"/>
+          <p:nvPr/>
+        </p:nvSpPr>
+        <p:spPr>
+          <a:xfrm>
+            <a:off x="6804180" y="2230176"/>
+            <a:ext cx="1117174" cy="215444"/>
+          </a:xfrm>
+          <a:prstGeom prst="rect">
+            <a:avLst/>
+          </a:prstGeom>
+          <a:noFill/>
+        </p:spPr>
+        <p:txBody>
+          <a:bodyPr wrap="square" rtlCol="0">
+            <a:spAutoFit/>
+          </a:bodyPr>
+          <a:lstStyle/>
+          <a:p>
+            <a:pPr algn="ctr"/>
+            <a:r>
+              <a:rPr lang="es-ES" sz="800" dirty="0"/>
+              <a:t>c</a:t>
+            </a:r>
+            <a:r>
+              <a:rPr lang="es-ES" sz="800" dirty="0" smtClean="0"/>
+              <a:t>orresponden a</a:t>
+            </a:r>
+            <a:endParaRPr lang="es-ES" sz="800" dirty="0"/>
+          </a:p>
+        </p:txBody>
+      </p:sp>
       <p:cxnSp>
         <p:nvCxnSpPr>
-          <p:cNvPr id="125" name="Conector angular 131"/>
+          <p:cNvPr id="293" name="Conector angular 222"/>
           <p:cNvCxnSpPr/>
           <p:nvPr/>
         </p:nvCxnSpPr>
         <p:spPr>
-          <a:xfrm rot="16200000" flipH="1">
-            <a:off x="3356639" y="839085"/>
-            <a:ext cx="65734" cy="1157"/>
+          <a:xfrm rot="5400000">
+            <a:off x="7322497" y="2165087"/>
+            <a:ext cx="143025" cy="876"/>
           </a:xfrm>
           <a:prstGeom prst="bentConnector3">
             <a:avLst>
-              <a:gd name="adj1" fmla="val -362310"/>
+              <a:gd name="adj1" fmla="val 50000"/>
             </a:avLst>
           </a:prstGeom>
           <a:ln w="12700">
@@ -3806,20 +3685,242 @@
           </a:fontRef>
         </p:style>
       </p:cxnSp>
+      <p:sp>
+        <p:nvSpPr>
+          <p:cNvPr id="310" name="Rectángulo 283" descr="Nodo de tercer nivel" title="Nodo03"/>
+          <p:cNvSpPr/>
+          <p:nvPr/>
+        </p:nvSpPr>
+        <p:spPr>
+          <a:xfrm>
+            <a:off x="5157628" y="2919662"/>
+            <a:ext cx="929985" cy="639908"/>
+          </a:xfrm>
+          <a:prstGeom prst="rect">
+            <a:avLst/>
+          </a:prstGeom>
+          <a:solidFill>
+            <a:schemeClr val="bg2">
+              <a:lumMod val="90000"/>
+            </a:schemeClr>
+          </a:solidFill>
+          <a:ln>
+            <a:solidFill>
+              <a:schemeClr val="tx1"/>
+            </a:solidFill>
+          </a:ln>
+        </p:spPr>
+        <p:style>
+          <a:lnRef idx="2">
+            <a:schemeClr val="accent6"/>
+          </a:lnRef>
+          <a:fillRef idx="1">
+            <a:schemeClr val="lt1"/>
+          </a:fillRef>
+          <a:effectRef idx="0">
+            <a:schemeClr val="accent6"/>
+          </a:effectRef>
+          <a:fontRef idx="minor">
+            <a:schemeClr val="dk1"/>
+          </a:fontRef>
+        </p:style>
+        <p:txBody>
+          <a:bodyPr rtlCol="0" anchor="ctr"/>
+          <a:lstStyle/>
+          <a:p>
+            <a:pPr algn="ctr"/>
+            <a:r>
+              <a:rPr lang="es-ES" sz="900" dirty="0">
+                <a:solidFill>
+                  <a:schemeClr val="tx1"/>
+                </a:solidFill>
+              </a:rPr>
+              <a:t>l</a:t>
+            </a:r>
+            <a:r>
+              <a:rPr lang="es-ES" sz="900" dirty="0" smtClean="0">
+                <a:solidFill>
+                  <a:schemeClr val="tx1"/>
+                </a:solidFill>
+              </a:rPr>
+              <a:t>a unión de dos vocales seguidas en una misma sílaba</a:t>
+            </a:r>
+            <a:endParaRPr lang="es-ES" sz="900" dirty="0">
+              <a:solidFill>
+                <a:schemeClr val="tx1"/>
+              </a:solidFill>
+            </a:endParaRPr>
+          </a:p>
+        </p:txBody>
+      </p:sp>
+      <p:sp>
+        <p:nvSpPr>
+          <p:cNvPr id="311" name="Rectángulo 307" descr="Nodo de cuarto nivel&#10;" title="Nodo04"/>
+          <p:cNvSpPr/>
+          <p:nvPr/>
+        </p:nvSpPr>
+        <p:spPr>
+          <a:xfrm>
+            <a:off x="5115603" y="4188795"/>
+            <a:ext cx="951921" cy="1052806"/>
+          </a:xfrm>
+          <a:prstGeom prst="rect">
+            <a:avLst/>
+          </a:prstGeom>
+          <a:solidFill>
+            <a:schemeClr val="bg1"/>
+          </a:solidFill>
+          <a:ln>
+            <a:solidFill>
+              <a:schemeClr val="tx1"/>
+            </a:solidFill>
+          </a:ln>
+        </p:spPr>
+        <p:style>
+          <a:lnRef idx="2">
+            <a:schemeClr val="accent6"/>
+          </a:lnRef>
+          <a:fillRef idx="1">
+            <a:schemeClr val="lt1"/>
+          </a:fillRef>
+          <a:effectRef idx="0">
+            <a:schemeClr val="accent6"/>
+          </a:effectRef>
+          <a:fontRef idx="minor">
+            <a:schemeClr val="dk1"/>
+          </a:fontRef>
+        </p:style>
+        <p:txBody>
+          <a:bodyPr rtlCol="0" anchor="ctr"/>
+          <a:lstStyle/>
+          <a:p>
+            <a:pPr marL="171450" indent="-171450">
+              <a:buFont typeface="Arial"/>
+              <a:buChar char="•"/>
+            </a:pPr>
+            <a:r>
+              <a:rPr lang="es-ES" sz="900" dirty="0" smtClean="0">
+                <a:solidFill>
+                  <a:schemeClr val="tx1"/>
+                </a:solidFill>
+              </a:rPr>
+              <a:t>duelo</a:t>
+            </a:r>
+            <a:endParaRPr lang="es-ES" sz="900" dirty="0" smtClean="0">
+              <a:solidFill>
+                <a:schemeClr val="tx1"/>
+              </a:solidFill>
+            </a:endParaRPr>
+          </a:p>
+          <a:p>
+            <a:pPr marL="171450" indent="-171450">
+              <a:buFont typeface="Arial"/>
+              <a:buChar char="•"/>
+            </a:pPr>
+            <a:r>
+              <a:rPr lang="es-ES" sz="900" dirty="0">
+                <a:solidFill>
+                  <a:schemeClr val="tx1"/>
+                </a:solidFill>
+              </a:rPr>
+              <a:t>b</a:t>
+            </a:r>
+            <a:r>
+              <a:rPr lang="es-ES" sz="900" dirty="0" smtClean="0">
+                <a:solidFill>
+                  <a:schemeClr val="tx1"/>
+                </a:solidFill>
+              </a:rPr>
+              <a:t>ailar</a:t>
+            </a:r>
+          </a:p>
+          <a:p>
+            <a:pPr marL="171450" indent="-171450">
+              <a:buFont typeface="Arial"/>
+              <a:buChar char="•"/>
+            </a:pPr>
+            <a:r>
+              <a:rPr lang="es-ES" sz="900" dirty="0">
+                <a:solidFill>
+                  <a:schemeClr val="tx1"/>
+                </a:solidFill>
+              </a:rPr>
+              <a:t>c</a:t>
+            </a:r>
+            <a:r>
+              <a:rPr lang="es-ES" sz="900" dirty="0" smtClean="0">
+                <a:solidFill>
+                  <a:schemeClr val="tx1"/>
+                </a:solidFill>
+              </a:rPr>
+              <a:t>amión</a:t>
+            </a:r>
+          </a:p>
+          <a:p>
+            <a:pPr marL="171450" indent="-171450">
+              <a:buFont typeface="Arial"/>
+              <a:buChar char="•"/>
+            </a:pPr>
+            <a:r>
+              <a:rPr lang="es-ES" sz="900" dirty="0">
+                <a:solidFill>
+                  <a:schemeClr val="tx1"/>
+                </a:solidFill>
+              </a:rPr>
+              <a:t>c</a:t>
+            </a:r>
+            <a:r>
+              <a:rPr lang="es-ES" sz="900" dirty="0" smtClean="0">
+                <a:solidFill>
+                  <a:schemeClr val="tx1"/>
+                </a:solidFill>
+              </a:rPr>
+              <a:t>uidado</a:t>
+            </a:r>
+          </a:p>
+          <a:p>
+            <a:pPr marL="171450" indent="-171450">
+              <a:buFont typeface="Arial"/>
+              <a:buChar char="•"/>
+            </a:pPr>
+            <a:r>
+              <a:rPr lang="es-ES" sz="900" dirty="0">
+                <a:solidFill>
+                  <a:schemeClr val="tx1"/>
+                </a:solidFill>
+              </a:rPr>
+              <a:t>c</a:t>
+            </a:r>
+            <a:r>
+              <a:rPr lang="es-ES" sz="900" dirty="0" smtClean="0">
+                <a:solidFill>
+                  <a:schemeClr val="tx1"/>
+                </a:solidFill>
+              </a:rPr>
+              <a:t>uéntame</a:t>
+            </a:r>
+            <a:endParaRPr lang="es-ES" sz="900" dirty="0">
+              <a:solidFill>
+                <a:schemeClr val="tx1"/>
+              </a:solidFill>
+            </a:endParaRPr>
+          </a:p>
+        </p:txBody>
+      </p:sp>
       <p:cxnSp>
         <p:nvCxnSpPr>
-          <p:cNvPr id="150" name="Conector angular 220"/>
+          <p:cNvPr id="312" name="Conector angular 222"/>
           <p:cNvCxnSpPr/>
           <p:nvPr/>
         </p:nvCxnSpPr>
         <p:spPr>
-          <a:xfrm rot="10800000" flipV="1">
-            <a:off x="2922586" y="2258943"/>
-            <a:ext cx="706458" cy="193453"/>
+          <a:xfrm rot="16200000" flipH="1">
+            <a:off x="6527371" y="3755786"/>
+            <a:ext cx="324000" cy="0"/>
           </a:xfrm>
           <a:prstGeom prst="bentConnector3">
             <a:avLst>
-              <a:gd name="adj1" fmla="val 102381"/>
+              <a:gd name="adj1" fmla="val 50000"/>
             </a:avLst>
           </a:prstGeom>
           <a:ln w="12700">
@@ -3843,16 +3944,53 @@
           </a:fontRef>
         </p:style>
       </p:cxnSp>
+      <p:cxnSp>
+        <p:nvCxnSpPr>
+          <p:cNvPr id="313" name="Conector angular 259"/>
+          <p:cNvCxnSpPr/>
+          <p:nvPr/>
+        </p:nvCxnSpPr>
+        <p:spPr>
+          <a:xfrm rot="16200000" flipH="1">
+            <a:off x="5248542" y="2079860"/>
+            <a:ext cx="144000" cy="0"/>
+          </a:xfrm>
+          <a:prstGeom prst="bentConnector3">
+            <a:avLst>
+              <a:gd name="adj1" fmla="val 50000"/>
+            </a:avLst>
+          </a:prstGeom>
+          <a:ln w="12700">
+            <a:solidFill>
+              <a:schemeClr val="tx1"/>
+            </a:solidFill>
+          </a:ln>
+        </p:spPr>
+        <p:style>
+          <a:lnRef idx="1">
+            <a:schemeClr val="accent1"/>
+          </a:lnRef>
+          <a:fillRef idx="0">
+            <a:schemeClr val="accent1"/>
+          </a:fillRef>
+          <a:effectRef idx="0">
+            <a:schemeClr val="accent1"/>
+          </a:effectRef>
+          <a:fontRef idx="minor">
+            <a:schemeClr val="tx1"/>
+          </a:fontRef>
+        </p:style>
+      </p:cxnSp>
       <p:sp>
         <p:nvSpPr>
-          <p:cNvPr id="166" name="CuadroTexto 221" descr="Conector entre nodos" title="conector"/>
+          <p:cNvPr id="87" name="CuadroTexto 221" descr="Conector entre nodos" title="conector"/>
           <p:cNvSpPr txBox="1"/>
           <p:nvPr/>
         </p:nvSpPr>
         <p:spPr>
           <a:xfrm>
-            <a:off x="4135241" y="2932356"/>
-            <a:ext cx="1117174" cy="230836"/>
+            <a:off x="4739612" y="2131326"/>
+            <a:ext cx="1013488" cy="230832"/>
           </a:xfrm>
           <a:prstGeom prst="rect">
             <a:avLst/>
@@ -3868,26 +4006,30 @@
             <a:pPr algn="ctr"/>
             <a:r>
               <a:rPr lang="es-ES" sz="900" dirty="0" smtClean="0"/>
-              <a:t>son las que tienen</a:t>
-            </a:r>
-            <a:endParaRPr lang="es-ES" sz="900" dirty="0"/>
+              <a:t>     </a:t>
+            </a:r>
+            <a:r>
+              <a:rPr lang="es-ES" sz="800" dirty="0" smtClean="0"/>
+              <a:t>corresponden a</a:t>
+            </a:r>
+            <a:endParaRPr lang="es-ES" sz="800" dirty="0"/>
           </a:p>
         </p:txBody>
       </p:sp>
       <p:cxnSp>
         <p:nvCxnSpPr>
-          <p:cNvPr id="167" name="Conector angular 222"/>
+          <p:cNvPr id="90" name="Conector angular 222"/>
           <p:cNvCxnSpPr/>
           <p:nvPr/>
         </p:nvCxnSpPr>
         <p:spPr>
-          <a:xfrm rot="5400000">
-            <a:off x="4552131" y="2885085"/>
-            <a:ext cx="143025" cy="876"/>
+          <a:xfrm rot="16200000" flipH="1">
+            <a:off x="7466329" y="4267911"/>
+            <a:ext cx="414639" cy="0"/>
           </a:xfrm>
           <a:prstGeom prst="bentConnector3">
             <a:avLst>
-              <a:gd name="adj1" fmla="val 50000"/>
+              <a:gd name="adj1" fmla="val 56126"/>
             </a:avLst>
           </a:prstGeom>
           <a:ln w="12700">
@@ -3913,14 +4055,14 @@
       </p:cxnSp>
       <p:cxnSp>
         <p:nvCxnSpPr>
-          <p:cNvPr id="168" name="Conector angular 259"/>
+          <p:cNvPr id="94" name="Conector angular 259"/>
           <p:cNvCxnSpPr/>
           <p:nvPr/>
         </p:nvCxnSpPr>
         <p:spPr>
-          <a:xfrm rot="16200000" flipH="1">
-            <a:off x="4575362" y="3204740"/>
-            <a:ext cx="143029" cy="877"/>
+          <a:xfrm rot="5400000">
+            <a:off x="5048966" y="2635889"/>
+            <a:ext cx="547461" cy="0"/>
           </a:xfrm>
           <a:prstGeom prst="bentConnector3">
             <a:avLst>
@@ -3950,16 +4092,169 @@
       </p:cxnSp>
       <p:cxnSp>
         <p:nvCxnSpPr>
-          <p:cNvPr id="170" name="Conector angular 260"/>
-          <p:cNvCxnSpPr>
-            <a:stCxn id="284" idx="2"/>
-          </p:cNvCxnSpPr>
+          <p:cNvPr id="6" name="Conector recto 5"/>
+          <p:cNvCxnSpPr/>
           <p:nvPr/>
         </p:nvCxnSpPr>
         <p:spPr>
+          <a:xfrm>
+            <a:off x="1019678" y="551121"/>
+            <a:ext cx="0" cy="296676"/>
+          </a:xfrm>
+          <a:prstGeom prst="line">
+            <a:avLst/>
+          </a:prstGeom>
+        </p:spPr>
+        <p:style>
+          <a:lnRef idx="2">
+            <a:schemeClr val="dk1"/>
+          </a:lnRef>
+          <a:fillRef idx="0">
+            <a:schemeClr val="dk1"/>
+          </a:fillRef>
+          <a:effectRef idx="1">
+            <a:schemeClr val="dk1"/>
+          </a:effectRef>
+          <a:fontRef idx="minor">
+            <a:schemeClr val="tx1"/>
+          </a:fontRef>
+        </p:style>
+      </p:cxnSp>
+      <p:cxnSp>
+        <p:nvCxnSpPr>
+          <p:cNvPr id="77" name="Conector recto 76"/>
+          <p:cNvCxnSpPr/>
+          <p:nvPr/>
+        </p:nvCxnSpPr>
+        <p:spPr>
+          <a:xfrm>
+            <a:off x="8797317" y="567215"/>
+            <a:ext cx="0" cy="296676"/>
+          </a:xfrm>
+          <a:prstGeom prst="line">
+            <a:avLst/>
+          </a:prstGeom>
+        </p:spPr>
+        <p:style>
+          <a:lnRef idx="2">
+            <a:schemeClr val="dk1"/>
+          </a:lnRef>
+          <a:fillRef idx="0">
+            <a:schemeClr val="dk1"/>
+          </a:fillRef>
+          <a:effectRef idx="1">
+            <a:schemeClr val="dk1"/>
+          </a:effectRef>
+          <a:fontRef idx="minor">
+            <a:schemeClr val="tx1"/>
+          </a:fontRef>
+        </p:style>
+      </p:cxnSp>
+      <p:cxnSp>
+        <p:nvCxnSpPr>
+          <p:cNvPr id="79" name="Conector recto 78"/>
+          <p:cNvCxnSpPr/>
+          <p:nvPr/>
+        </p:nvCxnSpPr>
+        <p:spPr>
+          <a:xfrm>
+            <a:off x="3380968" y="569554"/>
+            <a:ext cx="0" cy="296676"/>
+          </a:xfrm>
+          <a:prstGeom prst="line">
+            <a:avLst/>
+          </a:prstGeom>
+        </p:spPr>
+        <p:style>
+          <a:lnRef idx="2">
+            <a:schemeClr val="dk1"/>
+          </a:lnRef>
+          <a:fillRef idx="0">
+            <a:schemeClr val="dk1"/>
+          </a:fillRef>
+          <a:effectRef idx="1">
+            <a:schemeClr val="dk1"/>
+          </a:effectRef>
+          <a:fontRef idx="minor">
+            <a:schemeClr val="tx1"/>
+          </a:fontRef>
+        </p:style>
+      </p:cxnSp>
+      <p:cxnSp>
+        <p:nvCxnSpPr>
+          <p:cNvPr id="80" name="Conector recto 79"/>
+          <p:cNvCxnSpPr/>
+          <p:nvPr/>
+        </p:nvCxnSpPr>
+        <p:spPr>
+          <a:xfrm>
+            <a:off x="5503794" y="579686"/>
+            <a:ext cx="0" cy="296676"/>
+          </a:xfrm>
+          <a:prstGeom prst="line">
+            <a:avLst/>
+          </a:prstGeom>
+        </p:spPr>
+        <p:style>
+          <a:lnRef idx="2">
+            <a:schemeClr val="dk1"/>
+          </a:lnRef>
+          <a:fillRef idx="0">
+            <a:schemeClr val="dk1"/>
+          </a:fillRef>
+          <a:effectRef idx="1">
+            <a:schemeClr val="dk1"/>
+          </a:effectRef>
+          <a:fontRef idx="minor">
+            <a:schemeClr val="tx1"/>
+          </a:fontRef>
+        </p:style>
+      </p:cxnSp>
+      <p:sp>
+        <p:nvSpPr>
+          <p:cNvPr id="83" name="CuadroTexto 66" descr="Conector entre nodos" title="conector"/>
+          <p:cNvSpPr txBox="1"/>
+          <p:nvPr/>
+        </p:nvSpPr>
+        <p:spPr>
+          <a:xfrm>
+            <a:off x="275075" y="2426562"/>
+            <a:ext cx="1117174" cy="215444"/>
+          </a:xfrm>
+          <a:prstGeom prst="rect">
+            <a:avLst/>
+          </a:prstGeom>
+          <a:noFill/>
+        </p:spPr>
+        <p:txBody>
+          <a:bodyPr wrap="square" rtlCol="0">
+            <a:spAutoFit/>
+          </a:bodyPr>
+          <a:lstStyle/>
+          <a:p>
+            <a:pPr algn="ctr"/>
+            <a:r>
+              <a:rPr lang="es-ES" sz="800" dirty="0"/>
+              <a:t>s</a:t>
+            </a:r>
+            <a:r>
+              <a:rPr lang="es-ES" sz="800" dirty="0" smtClean="0"/>
+              <a:t>e caracteriza por</a:t>
+            </a:r>
+            <a:endParaRPr lang="es-ES" sz="800" dirty="0"/>
+          </a:p>
+        </p:txBody>
+      </p:sp>
+      <p:cxnSp>
+        <p:nvCxnSpPr>
+          <p:cNvPr id="88" name="Conector angular 87"/>
+          <p:cNvCxnSpPr/>
+          <p:nvPr/>
+        </p:nvCxnSpPr>
+        <p:spPr>
           <a:xfrm rot="5400000">
-            <a:off x="4408247" y="4208259"/>
-            <a:ext cx="611247" cy="0"/>
+            <a:off x="1929155" y="2568273"/>
+            <a:ext cx="425654" cy="0"/>
           </a:xfrm>
           <a:prstGeom prst="bentConnector3">
             <a:avLst>
@@ -3987,90 +4282,16 @@
           </a:fontRef>
         </p:style>
       </p:cxnSp>
-      <p:cxnSp>
-        <p:nvCxnSpPr>
-          <p:cNvPr id="183" name="Conector angular 30"/>
-          <p:cNvCxnSpPr/>
-          <p:nvPr/>
-        </p:nvCxnSpPr>
-        <p:spPr>
-          <a:xfrm rot="16200000" flipH="1">
-            <a:off x="5354075" y="1527569"/>
-            <a:ext cx="541212" cy="3503"/>
-          </a:xfrm>
-          <a:prstGeom prst="bentConnector3">
-            <a:avLst>
-              <a:gd name="adj1" fmla="val 50000"/>
-            </a:avLst>
-          </a:prstGeom>
-          <a:ln w="12700">
-            <a:solidFill>
-              <a:schemeClr val="tx1"/>
-            </a:solidFill>
-          </a:ln>
-        </p:spPr>
-        <p:style>
-          <a:lnRef idx="1">
-            <a:schemeClr val="accent1"/>
-          </a:lnRef>
-          <a:fillRef idx="0">
-            <a:schemeClr val="accent1"/>
-          </a:fillRef>
-          <a:effectRef idx="0">
-            <a:schemeClr val="accent1"/>
-          </a:effectRef>
-          <a:fontRef idx="minor">
-            <a:schemeClr val="tx1"/>
-          </a:fontRef>
-        </p:style>
-      </p:cxnSp>
-      <p:cxnSp>
-        <p:nvCxnSpPr>
-          <p:cNvPr id="184" name="Conector angular 220"/>
-          <p:cNvCxnSpPr/>
-          <p:nvPr/>
-        </p:nvCxnSpPr>
-        <p:spPr>
-          <a:xfrm>
-            <a:off x="5622311" y="1409349"/>
-            <a:ext cx="1076450" cy="0"/>
-          </a:xfrm>
-          <a:prstGeom prst="bentConnector3">
-            <a:avLst>
-              <a:gd name="adj1" fmla="val 101799"/>
-            </a:avLst>
-          </a:prstGeom>
-          <a:ln w="12700">
-            <a:solidFill>
-              <a:schemeClr val="tx1"/>
-            </a:solidFill>
-          </a:ln>
-        </p:spPr>
-        <p:style>
-          <a:lnRef idx="1">
-            <a:schemeClr val="accent1"/>
-          </a:lnRef>
-          <a:fillRef idx="0">
-            <a:schemeClr val="accent1"/>
-          </a:fillRef>
-          <a:effectRef idx="0">
-            <a:schemeClr val="accent1"/>
-          </a:effectRef>
-          <a:fontRef idx="minor">
-            <a:schemeClr val="tx1"/>
-          </a:fontRef>
-        </p:style>
-      </p:cxnSp>
       <p:sp>
         <p:nvSpPr>
-          <p:cNvPr id="189" name="Rectángulo 219" descr="Nodo de segundo nivel" title="Nodo02"/>
+          <p:cNvPr id="89" name="Rectángulo 219" descr="Nodo de segundo nivel" title="Nodo02"/>
           <p:cNvSpPr/>
           <p:nvPr/>
         </p:nvSpPr>
         <p:spPr>
           <a:xfrm>
-            <a:off x="4544826" y="1811807"/>
-            <a:ext cx="1124746" cy="357473"/>
+            <a:off x="3115976" y="1616842"/>
+            <a:ext cx="1304010" cy="357473"/>
           </a:xfrm>
           <a:prstGeom prst="rect">
             <a:avLst/>
@@ -4111,7 +4332,7 @@
                   <a:schemeClr val="bg1"/>
                 </a:solidFill>
               </a:rPr>
-              <a:t>Diptongos</a:t>
+              <a:t>Las oraciones </a:t>
             </a:r>
             <a:endParaRPr lang="es-ES" sz="1050" dirty="0">
               <a:solidFill>
@@ -4121,210 +4342,47 @@
           </a:p>
         </p:txBody>
       </p:sp>
-      <p:cxnSp>
-        <p:nvCxnSpPr>
-          <p:cNvPr id="190" name="Conector angular 131"/>
-          <p:cNvCxnSpPr/>
-          <p:nvPr/>
-        </p:nvCxnSpPr>
-        <p:spPr>
-          <a:xfrm rot="16200000" flipH="1">
-            <a:off x="5049414" y="699459"/>
-            <a:ext cx="264379" cy="0"/>
-          </a:xfrm>
-          <a:prstGeom prst="bentConnector3">
-            <a:avLst>
-              <a:gd name="adj1" fmla="val 50000"/>
-            </a:avLst>
-          </a:prstGeom>
-          <a:ln w="12700">
-            <a:solidFill>
-              <a:schemeClr val="tx1"/>
-            </a:solidFill>
-          </a:ln>
-        </p:spPr>
-        <p:style>
-          <a:lnRef idx="1">
-            <a:schemeClr val="accent1"/>
-          </a:lnRef>
-          <a:fillRef idx="0">
-            <a:schemeClr val="accent1"/>
-          </a:fillRef>
-          <a:effectRef idx="0">
-            <a:schemeClr val="accent1"/>
-          </a:effectRef>
-          <a:fontRef idx="minor">
-            <a:schemeClr val="tx1"/>
-          </a:fontRef>
-        </p:style>
-      </p:cxnSp>
       <p:sp>
         <p:nvSpPr>
-          <p:cNvPr id="192" name="Rectángulo 219" descr="Nodo de segundo nivel" title="Nodo02"/>
-          <p:cNvSpPr/>
+          <p:cNvPr id="95" name="CuadroTexto 66" descr="Conector entre nodos" title="conector"/>
+          <p:cNvSpPr txBox="1"/>
           <p:nvPr/>
         </p:nvSpPr>
         <p:spPr>
           <a:xfrm>
-            <a:off x="5787887" y="1821223"/>
-            <a:ext cx="1022496" cy="357473"/>
+            <a:off x="3122501" y="2221556"/>
+            <a:ext cx="1024995" cy="215444"/>
           </a:xfrm>
           <a:prstGeom prst="rect">
             <a:avLst/>
           </a:prstGeom>
-          <a:solidFill>
-            <a:schemeClr val="bg2">
-              <a:lumMod val="50000"/>
-            </a:schemeClr>
-          </a:solidFill>
-          <a:ln>
-            <a:solidFill>
-              <a:schemeClr val="tx1"/>
-            </a:solidFill>
-          </a:ln>
-        </p:spPr>
-        <p:style>
-          <a:lnRef idx="2">
-            <a:schemeClr val="accent6"/>
-          </a:lnRef>
-          <a:fillRef idx="1">
-            <a:schemeClr val="lt1"/>
-          </a:fillRef>
-          <a:effectRef idx="0">
-            <a:schemeClr val="accent6"/>
-          </a:effectRef>
-          <a:fontRef idx="minor">
-            <a:schemeClr val="dk1"/>
-          </a:fontRef>
-        </p:style>
+          <a:noFill/>
+        </p:spPr>
         <p:txBody>
-          <a:bodyPr rtlCol="0" anchor="ctr"/>
+          <a:bodyPr wrap="square" rtlCol="0">
+            <a:spAutoFit/>
+          </a:bodyPr>
           <a:lstStyle/>
           <a:p>
             <a:pPr algn="ctr"/>
             <a:r>
-              <a:rPr lang="es-ES" sz="1050" dirty="0" smtClean="0">
-                <a:solidFill>
-                  <a:schemeClr val="bg1"/>
-                </a:solidFill>
-              </a:rPr>
-              <a:t>Hiatos</a:t>
-            </a:r>
-            <a:endParaRPr lang="es-ES" sz="1050" dirty="0">
-              <a:solidFill>
-                <a:schemeClr val="bg1"/>
-              </a:solidFill>
-            </a:endParaRPr>
+              <a:rPr lang="es-ES" sz="800" dirty="0" smtClean="0"/>
+              <a:t> pueden ser</a:t>
+            </a:r>
+            <a:endParaRPr lang="es-ES" sz="800" dirty="0"/>
           </a:p>
         </p:txBody>
       </p:sp>
       <p:sp>
         <p:nvSpPr>
-          <p:cNvPr id="194" name="Rectángulo 219" descr="Nodo de segundo nivel" title="Nodo02"/>
+          <p:cNvPr id="98" name="Rectángulo 97" descr="Nodo de tercer nivel" title="Nodo03"/>
           <p:cNvSpPr/>
           <p:nvPr/>
         </p:nvSpPr>
         <p:spPr>
           <a:xfrm>
-            <a:off x="6910606" y="1826122"/>
-            <a:ext cx="1022496" cy="357473"/>
-          </a:xfrm>
-          <a:prstGeom prst="rect">
-            <a:avLst/>
-          </a:prstGeom>
-          <a:solidFill>
-            <a:schemeClr val="bg2">
-              <a:lumMod val="50000"/>
-            </a:schemeClr>
-          </a:solidFill>
-          <a:ln>
-            <a:solidFill>
-              <a:schemeClr val="tx1"/>
-            </a:solidFill>
-          </a:ln>
-        </p:spPr>
-        <p:style>
-          <a:lnRef idx="2">
-            <a:schemeClr val="accent6"/>
-          </a:lnRef>
-          <a:fillRef idx="1">
-            <a:schemeClr val="lt1"/>
-          </a:fillRef>
-          <a:effectRef idx="0">
-            <a:schemeClr val="accent6"/>
-          </a:effectRef>
-          <a:fontRef idx="minor">
-            <a:schemeClr val="dk1"/>
-          </a:fontRef>
-        </p:style>
-        <p:txBody>
-          <a:bodyPr rtlCol="0" anchor="ctr"/>
-          <a:lstStyle/>
-          <a:p>
-            <a:pPr algn="ctr"/>
-            <a:r>
-              <a:rPr lang="es-ES" sz="1050" dirty="0" smtClean="0">
-                <a:solidFill>
-                  <a:schemeClr val="bg1"/>
-                </a:solidFill>
-              </a:rPr>
-              <a:t>Triptongos</a:t>
-            </a:r>
-            <a:endParaRPr lang="es-ES" sz="1050" dirty="0">
-              <a:solidFill>
-                <a:schemeClr val="bg1"/>
-              </a:solidFill>
-            </a:endParaRPr>
-          </a:p>
-        </p:txBody>
-      </p:sp>
-      <p:cxnSp>
-        <p:nvCxnSpPr>
-          <p:cNvPr id="206" name="Conector angular 220"/>
-          <p:cNvCxnSpPr/>
-          <p:nvPr/>
-        </p:nvCxnSpPr>
-        <p:spPr>
-          <a:xfrm>
-            <a:off x="6693394" y="1416065"/>
-            <a:ext cx="1076450" cy="379442"/>
-          </a:xfrm>
-          <a:prstGeom prst="bentConnector3">
-            <a:avLst>
-              <a:gd name="adj1" fmla="val 101799"/>
-            </a:avLst>
-          </a:prstGeom>
-          <a:ln w="12700">
-            <a:solidFill>
-              <a:schemeClr val="tx1"/>
-            </a:solidFill>
-          </a:ln>
-        </p:spPr>
-        <p:style>
-          <a:lnRef idx="1">
-            <a:schemeClr val="accent1"/>
-          </a:lnRef>
-          <a:fillRef idx="0">
-            <a:schemeClr val="accent1"/>
-          </a:fillRef>
-          <a:effectRef idx="0">
-            <a:schemeClr val="accent1"/>
-          </a:effectRef>
-          <a:fontRef idx="minor">
-            <a:schemeClr val="tx1"/>
-          </a:fontRef>
-        </p:style>
-      </p:cxnSp>
-      <p:sp>
-        <p:nvSpPr>
-          <p:cNvPr id="210" name="Rectángulo 283" descr="Nodo de tercer nivel" title="Nodo03"/>
-          <p:cNvSpPr/>
-          <p:nvPr/>
-        </p:nvSpPr>
-        <p:spPr>
-          <a:xfrm>
-            <a:off x="6645980" y="3157105"/>
-            <a:ext cx="1122431" cy="670283"/>
+            <a:off x="2754913" y="2762118"/>
+            <a:ext cx="999689" cy="303164"/>
           </a:xfrm>
           <a:prstGeom prst="rect">
             <a:avLst/>
@@ -4365,7 +4423,7 @@
                   <a:schemeClr val="tx1"/>
                 </a:solidFill>
               </a:rPr>
-              <a:t>dos vocales seguidas se separan dos sílabas diferentes.</a:t>
+              <a:t>reflexivas</a:t>
             </a:r>
             <a:endParaRPr lang="es-ES" sz="900" dirty="0">
               <a:solidFill>
@@ -4377,250 +4435,14 @@
       </p:sp>
       <p:sp>
         <p:nvSpPr>
-          <p:cNvPr id="213" name="Rectángulo 307" descr="Nodo de cuarto nivel&#10;" title="Nodo04"/>
+          <p:cNvPr id="99" name="Rectángulo 98" descr="Nodo de tercer nivel" title="Nodo03"/>
           <p:cNvSpPr/>
           <p:nvPr/>
         </p:nvSpPr>
         <p:spPr>
           <a:xfrm>
-            <a:off x="6666676" y="4163178"/>
-            <a:ext cx="1122431" cy="1300529"/>
-          </a:xfrm>
-          <a:prstGeom prst="rect">
-            <a:avLst/>
-          </a:prstGeom>
-          <a:solidFill>
-            <a:schemeClr val="bg1"/>
-          </a:solidFill>
-          <a:ln>
-            <a:solidFill>
-              <a:schemeClr val="tx1"/>
-            </a:solidFill>
-          </a:ln>
-        </p:spPr>
-        <p:style>
-          <a:lnRef idx="2">
-            <a:schemeClr val="accent6"/>
-          </a:lnRef>
-          <a:fillRef idx="1">
-            <a:schemeClr val="lt1"/>
-          </a:fillRef>
-          <a:effectRef idx="0">
-            <a:schemeClr val="accent6"/>
-          </a:effectRef>
-          <a:fontRef idx="minor">
-            <a:schemeClr val="dk1"/>
-          </a:fontRef>
-        </p:style>
-        <p:txBody>
-          <a:bodyPr rtlCol="0" anchor="ctr"/>
-          <a:lstStyle/>
-          <a:p>
-            <a:pPr marL="171450" indent="-171450">
-              <a:buFont typeface="Arial"/>
-              <a:buChar char="•"/>
-            </a:pPr>
-            <a:r>
-              <a:rPr lang="es-ES" sz="900" dirty="0" smtClean="0">
-                <a:solidFill>
-                  <a:schemeClr val="tx1"/>
-                </a:solidFill>
-              </a:rPr>
-              <a:t>Bahía</a:t>
-            </a:r>
-          </a:p>
-          <a:p>
-            <a:pPr marL="171450" indent="-171450">
-              <a:buFont typeface="Arial"/>
-              <a:buChar char="•"/>
-            </a:pPr>
-            <a:r>
-              <a:rPr lang="es-ES" sz="900" dirty="0" smtClean="0">
-                <a:solidFill>
-                  <a:schemeClr val="tx1"/>
-                </a:solidFill>
-              </a:rPr>
-              <a:t>Oboe</a:t>
-            </a:r>
-          </a:p>
-          <a:p>
-            <a:pPr marL="171450" indent="-171450">
-              <a:buFont typeface="Arial"/>
-              <a:buChar char="•"/>
-            </a:pPr>
-            <a:r>
-              <a:rPr lang="es-ES" sz="900" dirty="0" smtClean="0">
-                <a:solidFill>
-                  <a:schemeClr val="tx1"/>
-                </a:solidFill>
-              </a:rPr>
-              <a:t>Baldío</a:t>
-            </a:r>
-          </a:p>
-          <a:p>
-            <a:pPr marL="171450" indent="-171450">
-              <a:buFont typeface="Arial"/>
-              <a:buChar char="•"/>
-            </a:pPr>
-            <a:r>
-              <a:rPr lang="es-ES" sz="900" dirty="0" smtClean="0">
-                <a:solidFill>
-                  <a:schemeClr val="tx1"/>
-                </a:solidFill>
-              </a:rPr>
-              <a:t>Isaías</a:t>
-            </a:r>
-          </a:p>
-          <a:p>
-            <a:pPr marL="171450" indent="-171450">
-              <a:buFont typeface="Arial"/>
-              <a:buChar char="•"/>
-            </a:pPr>
-            <a:r>
-              <a:rPr lang="es-ES" sz="900" dirty="0" smtClean="0">
-                <a:solidFill>
-                  <a:schemeClr val="tx1"/>
-                </a:solidFill>
-              </a:rPr>
-              <a:t>Tareas</a:t>
-            </a:r>
-          </a:p>
-          <a:p>
-            <a:pPr marL="171450" indent="-171450">
-              <a:buFont typeface="Arial"/>
-              <a:buChar char="•"/>
-            </a:pPr>
-            <a:r>
-              <a:rPr lang="es-ES" sz="900" dirty="0" smtClean="0">
-                <a:solidFill>
-                  <a:schemeClr val="tx1"/>
-                </a:solidFill>
-              </a:rPr>
-              <a:t>Vaho</a:t>
-            </a:r>
-            <a:endParaRPr lang="es-ES" sz="900" dirty="0">
-              <a:solidFill>
-                <a:schemeClr val="tx1"/>
-              </a:solidFill>
-            </a:endParaRPr>
-          </a:p>
-        </p:txBody>
-      </p:sp>
-      <p:sp>
-        <p:nvSpPr>
-          <p:cNvPr id="214" name="CuadroTexto 221" descr="Conector entre nodos" title="conector"/>
-          <p:cNvSpPr txBox="1"/>
-          <p:nvPr/>
-        </p:nvSpPr>
-        <p:spPr>
-          <a:xfrm>
-            <a:off x="5874283" y="2327323"/>
-            <a:ext cx="1117174" cy="230836"/>
-          </a:xfrm>
-          <a:prstGeom prst="rect">
-            <a:avLst/>
-          </a:prstGeom>
-          <a:noFill/>
-        </p:spPr>
-        <p:txBody>
-          <a:bodyPr wrap="square" rtlCol="0">
-            <a:spAutoFit/>
-          </a:bodyPr>
-          <a:lstStyle/>
-          <a:p>
-            <a:pPr algn="ctr"/>
-            <a:r>
-              <a:rPr lang="es-ES" sz="900" dirty="0" smtClean="0"/>
-              <a:t>las palabras tienen</a:t>
-            </a:r>
-            <a:endParaRPr lang="es-ES" sz="900" dirty="0"/>
-          </a:p>
-        </p:txBody>
-      </p:sp>
-      <p:cxnSp>
-        <p:nvCxnSpPr>
-          <p:cNvPr id="215" name="Conector angular 222"/>
-          <p:cNvCxnSpPr/>
-          <p:nvPr/>
-        </p:nvCxnSpPr>
-        <p:spPr>
-          <a:xfrm rot="5400000">
-            <a:off x="6361796" y="2280605"/>
-            <a:ext cx="143025" cy="876"/>
-          </a:xfrm>
-          <a:prstGeom prst="bentConnector3">
-            <a:avLst>
-              <a:gd name="adj1" fmla="val 50000"/>
-            </a:avLst>
-          </a:prstGeom>
-          <a:ln w="12700">
-            <a:solidFill>
-              <a:schemeClr val="tx1"/>
-            </a:solidFill>
-          </a:ln>
-        </p:spPr>
-        <p:style>
-          <a:lnRef idx="1">
-            <a:schemeClr val="accent1"/>
-          </a:lnRef>
-          <a:fillRef idx="0">
-            <a:schemeClr val="accent1"/>
-          </a:fillRef>
-          <a:effectRef idx="0">
-            <a:schemeClr val="accent1"/>
-          </a:effectRef>
-          <a:fontRef idx="minor">
-            <a:schemeClr val="tx1"/>
-          </a:fontRef>
-        </p:style>
-      </p:cxnSp>
-      <p:cxnSp>
-        <p:nvCxnSpPr>
-          <p:cNvPr id="217" name="Conector angular 259"/>
-          <p:cNvCxnSpPr/>
-          <p:nvPr/>
-        </p:nvCxnSpPr>
-        <p:spPr>
-          <a:xfrm rot="16200000" flipH="1">
-            <a:off x="6451159" y="2582773"/>
-            <a:ext cx="557405" cy="471857"/>
-          </a:xfrm>
-          <a:prstGeom prst="bentConnector3">
-            <a:avLst>
-              <a:gd name="adj1" fmla="val 40886"/>
-            </a:avLst>
-          </a:prstGeom>
-          <a:ln w="12700">
-            <a:solidFill>
-              <a:schemeClr val="tx1"/>
-            </a:solidFill>
-          </a:ln>
-        </p:spPr>
-        <p:style>
-          <a:lnRef idx="1">
-            <a:schemeClr val="accent1"/>
-          </a:lnRef>
-          <a:fillRef idx="0">
-            <a:schemeClr val="accent1"/>
-          </a:fillRef>
-          <a:effectRef idx="0">
-            <a:schemeClr val="accent1"/>
-          </a:effectRef>
-          <a:fontRef idx="minor">
-            <a:schemeClr val="tx1"/>
-          </a:fontRef>
-        </p:style>
-      </p:cxnSp>
-      <p:sp>
-        <p:nvSpPr>
-          <p:cNvPr id="290" name="Rectángulo 283" descr="Nodo de tercer nivel" title="Nodo03"/>
-          <p:cNvSpPr/>
-          <p:nvPr/>
-        </p:nvSpPr>
-        <p:spPr>
-          <a:xfrm>
-            <a:off x="7894569" y="3415448"/>
-            <a:ext cx="1122431" cy="848911"/>
+            <a:off x="4050132" y="2767770"/>
+            <a:ext cx="1021476" cy="304098"/>
           </a:xfrm>
           <a:prstGeom prst="rect">
             <a:avLst/>
@@ -4661,7 +4483,7 @@
                   <a:schemeClr val="tx1"/>
                 </a:solidFill>
               </a:rPr>
-              <a:t>tres vocales seguidas pertenecen a una sola sílaba.</a:t>
+              <a:t>recíprocas</a:t>
             </a:r>
             <a:endParaRPr lang="es-ES" sz="900" dirty="0">
               <a:solidFill>
@@ -4671,16 +4493,492 @@
           </a:p>
         </p:txBody>
       </p:sp>
+      <p:cxnSp>
+        <p:nvCxnSpPr>
+          <p:cNvPr id="101" name="Conector angular 30"/>
+          <p:cNvCxnSpPr/>
+          <p:nvPr/>
+        </p:nvCxnSpPr>
+        <p:spPr>
+          <a:xfrm rot="16200000" flipH="1">
+            <a:off x="3490656" y="2123744"/>
+            <a:ext cx="283111" cy="0"/>
+          </a:xfrm>
+          <a:prstGeom prst="bentConnector3">
+            <a:avLst>
+              <a:gd name="adj1" fmla="val 64044"/>
+            </a:avLst>
+          </a:prstGeom>
+          <a:ln w="12700">
+            <a:solidFill>
+              <a:schemeClr val="tx1"/>
+            </a:solidFill>
+          </a:ln>
+        </p:spPr>
+        <p:style>
+          <a:lnRef idx="1">
+            <a:schemeClr val="accent1"/>
+          </a:lnRef>
+          <a:fillRef idx="0">
+            <a:schemeClr val="accent1"/>
+          </a:fillRef>
+          <a:effectRef idx="0">
+            <a:schemeClr val="accent1"/>
+          </a:effectRef>
+          <a:fontRef idx="minor">
+            <a:schemeClr val="tx1"/>
+          </a:fontRef>
+        </p:style>
+      </p:cxnSp>
+      <p:cxnSp>
+        <p:nvCxnSpPr>
+          <p:cNvPr id="26" name="Conector recto 25"/>
+          <p:cNvCxnSpPr/>
+          <p:nvPr/>
+        </p:nvCxnSpPr>
+        <p:spPr>
+          <a:xfrm flipH="1">
+            <a:off x="3227303" y="3065282"/>
+            <a:ext cx="1" cy="224749"/>
+          </a:xfrm>
+          <a:prstGeom prst="line">
+            <a:avLst/>
+          </a:prstGeom>
+        </p:spPr>
+        <p:style>
+          <a:lnRef idx="2">
+            <a:schemeClr val="dk1"/>
+          </a:lnRef>
+          <a:fillRef idx="0">
+            <a:schemeClr val="dk1"/>
+          </a:fillRef>
+          <a:effectRef idx="1">
+            <a:schemeClr val="dk1"/>
+          </a:effectRef>
+          <a:fontRef idx="minor">
+            <a:schemeClr val="tx1"/>
+          </a:fontRef>
+        </p:style>
+      </p:cxnSp>
+      <p:cxnSp>
+        <p:nvCxnSpPr>
+          <p:cNvPr id="28" name="Conector recto 27"/>
+          <p:cNvCxnSpPr/>
+          <p:nvPr/>
+        </p:nvCxnSpPr>
+        <p:spPr>
+          <a:xfrm>
+            <a:off x="3233459" y="2580187"/>
+            <a:ext cx="2494" cy="175590"/>
+          </a:xfrm>
+          <a:prstGeom prst="line">
+            <a:avLst/>
+          </a:prstGeom>
+        </p:spPr>
+        <p:style>
+          <a:lnRef idx="2">
+            <a:schemeClr val="dk1"/>
+          </a:lnRef>
+          <a:fillRef idx="0">
+            <a:schemeClr val="dk1"/>
+          </a:fillRef>
+          <a:effectRef idx="1">
+            <a:schemeClr val="dk1"/>
+          </a:effectRef>
+          <a:fontRef idx="minor">
+            <a:schemeClr val="tx1"/>
+          </a:fontRef>
+        </p:style>
+      </p:cxnSp>
+      <p:cxnSp>
+        <p:nvCxnSpPr>
+          <p:cNvPr id="7" name="Conector recto 6"/>
+          <p:cNvCxnSpPr/>
+          <p:nvPr/>
+        </p:nvCxnSpPr>
+        <p:spPr>
+          <a:xfrm>
+            <a:off x="3233459" y="2580187"/>
+            <a:ext cx="1333919" cy="0"/>
+          </a:xfrm>
+          <a:prstGeom prst="line">
+            <a:avLst/>
+          </a:prstGeom>
+        </p:spPr>
+        <p:style>
+          <a:lnRef idx="2">
+            <a:schemeClr val="dk1"/>
+          </a:lnRef>
+          <a:fillRef idx="0">
+            <a:schemeClr val="dk1"/>
+          </a:fillRef>
+          <a:effectRef idx="1">
+            <a:schemeClr val="dk1"/>
+          </a:effectRef>
+          <a:fontRef idx="minor">
+            <a:schemeClr val="tx1"/>
+          </a:fontRef>
+        </p:style>
+      </p:cxnSp>
+      <p:cxnSp>
+        <p:nvCxnSpPr>
+          <p:cNvPr id="68" name="Conector recto 67"/>
+          <p:cNvCxnSpPr/>
+          <p:nvPr/>
+        </p:nvCxnSpPr>
+        <p:spPr>
+          <a:xfrm>
+            <a:off x="4560870" y="2580428"/>
+            <a:ext cx="2494" cy="175590"/>
+          </a:xfrm>
+          <a:prstGeom prst="line">
+            <a:avLst/>
+          </a:prstGeom>
+        </p:spPr>
+        <p:style>
+          <a:lnRef idx="2">
+            <a:schemeClr val="dk1"/>
+          </a:lnRef>
+          <a:fillRef idx="0">
+            <a:schemeClr val="dk1"/>
+          </a:fillRef>
+          <a:effectRef idx="1">
+            <a:schemeClr val="dk1"/>
+          </a:effectRef>
+          <a:fontRef idx="minor">
+            <a:schemeClr val="tx1"/>
+          </a:fontRef>
+        </p:style>
+      </p:cxnSp>
+      <p:cxnSp>
+        <p:nvCxnSpPr>
+          <p:cNvPr id="74" name="Conector angular 259"/>
+          <p:cNvCxnSpPr/>
+          <p:nvPr/>
+        </p:nvCxnSpPr>
+        <p:spPr>
+          <a:xfrm rot="16200000" flipH="1">
+            <a:off x="3560211" y="2496273"/>
+            <a:ext cx="144000" cy="0"/>
+          </a:xfrm>
+          <a:prstGeom prst="bentConnector3">
+            <a:avLst>
+              <a:gd name="adj1" fmla="val 19133"/>
+            </a:avLst>
+          </a:prstGeom>
+          <a:ln w="12700">
+            <a:solidFill>
+              <a:schemeClr val="tx1"/>
+            </a:solidFill>
+          </a:ln>
+        </p:spPr>
+        <p:style>
+          <a:lnRef idx="1">
+            <a:schemeClr val="accent1"/>
+          </a:lnRef>
+          <a:fillRef idx="0">
+            <a:schemeClr val="accent1"/>
+          </a:fillRef>
+          <a:effectRef idx="0">
+            <a:schemeClr val="accent1"/>
+          </a:effectRef>
+          <a:fontRef idx="minor">
+            <a:schemeClr val="tx1"/>
+          </a:fontRef>
+        </p:style>
+      </p:cxnSp>
+      <p:cxnSp>
+        <p:nvCxnSpPr>
+          <p:cNvPr id="82" name="Conector recto 81"/>
+          <p:cNvCxnSpPr/>
+          <p:nvPr/>
+        </p:nvCxnSpPr>
+        <p:spPr>
+          <a:xfrm flipH="1">
+            <a:off x="4567378" y="3068802"/>
+            <a:ext cx="1" cy="224749"/>
+          </a:xfrm>
+          <a:prstGeom prst="line">
+            <a:avLst/>
+          </a:prstGeom>
+        </p:spPr>
+        <p:style>
+          <a:lnRef idx="2">
+            <a:schemeClr val="dk1"/>
+          </a:lnRef>
+          <a:fillRef idx="0">
+            <a:schemeClr val="dk1"/>
+          </a:fillRef>
+          <a:effectRef idx="1">
+            <a:schemeClr val="dk1"/>
+          </a:effectRef>
+          <a:fontRef idx="minor">
+            <a:schemeClr val="tx1"/>
+          </a:fontRef>
+        </p:style>
+      </p:cxnSp>
+      <p:cxnSp>
+        <p:nvCxnSpPr>
+          <p:cNvPr id="84" name="Conector recto 83"/>
+          <p:cNvCxnSpPr/>
+          <p:nvPr/>
+        </p:nvCxnSpPr>
+        <p:spPr>
+          <a:xfrm flipH="1">
+            <a:off x="3227303" y="4272158"/>
+            <a:ext cx="1" cy="224749"/>
+          </a:xfrm>
+          <a:prstGeom prst="line">
+            <a:avLst/>
+          </a:prstGeom>
+        </p:spPr>
+        <p:style>
+          <a:lnRef idx="2">
+            <a:schemeClr val="dk1"/>
+          </a:lnRef>
+          <a:fillRef idx="0">
+            <a:schemeClr val="dk1"/>
+          </a:fillRef>
+          <a:effectRef idx="1">
+            <a:schemeClr val="dk1"/>
+          </a:effectRef>
+          <a:fontRef idx="minor">
+            <a:schemeClr val="tx1"/>
+          </a:fontRef>
+        </p:style>
+      </p:cxnSp>
+      <p:cxnSp>
+        <p:nvCxnSpPr>
+          <p:cNvPr id="85" name="Conector angular 259"/>
+          <p:cNvCxnSpPr/>
+          <p:nvPr/>
+        </p:nvCxnSpPr>
+        <p:spPr>
+          <a:xfrm rot="16200000" flipH="1">
+            <a:off x="5442558" y="1421133"/>
+            <a:ext cx="144000" cy="0"/>
+          </a:xfrm>
+          <a:prstGeom prst="bentConnector3">
+            <a:avLst>
+              <a:gd name="adj1" fmla="val 27951"/>
+            </a:avLst>
+          </a:prstGeom>
+          <a:ln w="12700">
+            <a:solidFill>
+              <a:schemeClr val="tx1"/>
+            </a:solidFill>
+          </a:ln>
+        </p:spPr>
+        <p:style>
+          <a:lnRef idx="1">
+            <a:schemeClr val="accent1"/>
+          </a:lnRef>
+          <a:fillRef idx="0">
+            <a:schemeClr val="accent1"/>
+          </a:fillRef>
+          <a:effectRef idx="0">
+            <a:schemeClr val="accent1"/>
+          </a:effectRef>
+          <a:fontRef idx="minor">
+            <a:schemeClr val="tx1"/>
+          </a:fontRef>
+        </p:style>
+      </p:cxnSp>
+      <p:cxnSp>
+        <p:nvCxnSpPr>
+          <p:cNvPr id="23" name="Conector recto 22"/>
+          <p:cNvCxnSpPr/>
+          <p:nvPr/>
+        </p:nvCxnSpPr>
+        <p:spPr>
+          <a:xfrm>
+            <a:off x="4901568" y="1489413"/>
+            <a:ext cx="2511336" cy="0"/>
+          </a:xfrm>
+          <a:prstGeom prst="line">
+            <a:avLst/>
+          </a:prstGeom>
+        </p:spPr>
+        <p:style>
+          <a:lnRef idx="2">
+            <a:schemeClr val="dk1"/>
+          </a:lnRef>
+          <a:fillRef idx="0">
+            <a:schemeClr val="dk1"/>
+          </a:fillRef>
+          <a:effectRef idx="1">
+            <a:schemeClr val="dk1"/>
+          </a:effectRef>
+          <a:fontRef idx="minor">
+            <a:schemeClr val="tx1"/>
+          </a:fontRef>
+        </p:style>
+      </p:cxnSp>
+      <p:cxnSp>
+        <p:nvCxnSpPr>
+          <p:cNvPr id="93" name="Conector recto 92"/>
+          <p:cNvCxnSpPr/>
+          <p:nvPr/>
+        </p:nvCxnSpPr>
+        <p:spPr>
+          <a:xfrm>
+            <a:off x="7412904" y="1493133"/>
+            <a:ext cx="0" cy="329027"/>
+          </a:xfrm>
+          <a:prstGeom prst="line">
+            <a:avLst/>
+          </a:prstGeom>
+        </p:spPr>
+        <p:style>
+          <a:lnRef idx="2">
+            <a:schemeClr val="dk1"/>
+          </a:lnRef>
+          <a:fillRef idx="0">
+            <a:schemeClr val="dk1"/>
+          </a:fillRef>
+          <a:effectRef idx="1">
+            <a:schemeClr val="dk1"/>
+          </a:effectRef>
+          <a:fontRef idx="minor">
+            <a:schemeClr val="tx1"/>
+          </a:fontRef>
+        </p:style>
+      </p:cxnSp>
+      <p:cxnSp>
+        <p:nvCxnSpPr>
+          <p:cNvPr id="32" name="Conector recto 31"/>
+          <p:cNvCxnSpPr/>
+          <p:nvPr/>
+        </p:nvCxnSpPr>
+        <p:spPr>
+          <a:xfrm flipH="1">
+            <a:off x="4901567" y="1489413"/>
+            <a:ext cx="1" cy="239413"/>
+          </a:xfrm>
+          <a:prstGeom prst="line">
+            <a:avLst/>
+          </a:prstGeom>
+        </p:spPr>
+        <p:style>
+          <a:lnRef idx="2">
+            <a:schemeClr val="dk1"/>
+          </a:lnRef>
+          <a:fillRef idx="0">
+            <a:schemeClr val="dk1"/>
+          </a:fillRef>
+          <a:effectRef idx="1">
+            <a:schemeClr val="dk1"/>
+          </a:effectRef>
+          <a:fontRef idx="minor">
+            <a:schemeClr val="tx1"/>
+          </a:fontRef>
+        </p:style>
+      </p:cxnSp>
+      <p:cxnSp>
+        <p:nvCxnSpPr>
+          <p:cNvPr id="103" name="Conector recto 102"/>
+          <p:cNvCxnSpPr/>
+          <p:nvPr/>
+        </p:nvCxnSpPr>
+        <p:spPr>
+          <a:xfrm>
+            <a:off x="6153340" y="1487079"/>
+            <a:ext cx="0" cy="329027"/>
+          </a:xfrm>
+          <a:prstGeom prst="line">
+            <a:avLst/>
+          </a:prstGeom>
+        </p:spPr>
+        <p:style>
+          <a:lnRef idx="2">
+            <a:schemeClr val="dk1"/>
+          </a:lnRef>
+          <a:fillRef idx="0">
+            <a:schemeClr val="dk1"/>
+          </a:fillRef>
+          <a:effectRef idx="1">
+            <a:schemeClr val="dk1"/>
+          </a:effectRef>
+          <a:fontRef idx="minor">
+            <a:schemeClr val="tx1"/>
+          </a:fontRef>
+        </p:style>
+      </p:cxnSp>
       <p:sp>
         <p:nvSpPr>
-          <p:cNvPr id="291" name="Rectángulo 307" descr="Nodo de cuarto nivel&#10;" title="Nodo04"/>
+          <p:cNvPr id="104" name="CuadroTexto 221" descr="Conector entre nodos" title="conector"/>
+          <p:cNvSpPr txBox="1"/>
+          <p:nvPr/>
+        </p:nvSpPr>
+        <p:spPr>
+          <a:xfrm>
+            <a:off x="3936030" y="5355985"/>
+            <a:ext cx="1276250" cy="215444"/>
+          </a:xfrm>
+          <a:prstGeom prst="rect">
+            <a:avLst/>
+          </a:prstGeom>
+          <a:noFill/>
+        </p:spPr>
+        <p:txBody>
+          <a:bodyPr wrap="square" rtlCol="0">
+            <a:spAutoFit/>
+          </a:bodyPr>
+          <a:lstStyle/>
+          <a:p>
+            <a:pPr algn="ctr"/>
+            <a:r>
+              <a:rPr lang="es-ES" sz="800" dirty="0"/>
+              <a:t>p</a:t>
+            </a:r>
+            <a:r>
+              <a:rPr lang="es-ES" sz="800" dirty="0" smtClean="0"/>
+              <a:t>or ejemplo</a:t>
+            </a:r>
+            <a:endParaRPr lang="es-ES" sz="800" dirty="0"/>
+          </a:p>
+        </p:txBody>
+      </p:sp>
+      <p:cxnSp>
+        <p:nvCxnSpPr>
+          <p:cNvPr id="105" name="Conector recto 104"/>
+          <p:cNvCxnSpPr/>
+          <p:nvPr/>
+        </p:nvCxnSpPr>
+        <p:spPr>
+          <a:xfrm flipH="1">
+            <a:off x="4567378" y="5183910"/>
+            <a:ext cx="1" cy="224749"/>
+          </a:xfrm>
+          <a:prstGeom prst="line">
+            <a:avLst/>
+          </a:prstGeom>
+        </p:spPr>
+        <p:style>
+          <a:lnRef idx="2">
+            <a:schemeClr val="dk1"/>
+          </a:lnRef>
+          <a:fillRef idx="0">
+            <a:schemeClr val="dk1"/>
+          </a:fillRef>
+          <a:effectRef idx="1">
+            <a:schemeClr val="dk1"/>
+          </a:effectRef>
+          <a:fontRef idx="minor">
+            <a:schemeClr val="tx1"/>
+          </a:fontRef>
+        </p:style>
+      </p:cxnSp>
+      <p:sp>
+        <p:nvSpPr>
+          <p:cNvPr id="106" name="Rectángulo 105" descr="Nodo de cuarto nivel&#10;" title="Nodo04"/>
           <p:cNvSpPr/>
           <p:nvPr/>
         </p:nvSpPr>
         <p:spPr>
           <a:xfrm>
-            <a:off x="8072588" y="4689182"/>
-            <a:ext cx="1020392" cy="1415285"/>
+            <a:off x="3921836" y="5781727"/>
+            <a:ext cx="1635464" cy="325844"/>
           </a:xfrm>
           <a:prstGeom prst="rect">
             <a:avLst/>
@@ -4712,92 +5010,111 @@
           <a:bodyPr rtlCol="0" anchor="ctr"/>
           <a:lstStyle/>
           <a:p>
-            <a:pPr marL="171450" indent="-171450">
-              <a:buFont typeface="Arial"/>
-              <a:buChar char="•"/>
-            </a:pPr>
+            <a:pPr algn="ctr"/>
             <a:r>
               <a:rPr lang="es-ES" sz="900" dirty="0" smtClean="0">
                 <a:solidFill>
                   <a:schemeClr val="tx1"/>
                 </a:solidFill>
               </a:rPr>
-              <a:t>Uruguay</a:t>
-            </a:r>
-          </a:p>
-          <a:p>
-            <a:pPr marL="171450" indent="-171450">
-              <a:buFont typeface="Arial"/>
-              <a:buChar char="•"/>
-            </a:pPr>
+              <a:t>Nosotros nos comprometimos</a:t>
+            </a:r>
+          </a:p>
+        </p:txBody>
+      </p:sp>
+      <p:cxnSp>
+        <p:nvCxnSpPr>
+          <p:cNvPr id="107" name="Conector recto 106"/>
+          <p:cNvCxnSpPr/>
+          <p:nvPr/>
+        </p:nvCxnSpPr>
+        <p:spPr>
+          <a:xfrm flipH="1">
+            <a:off x="4574154" y="5563109"/>
+            <a:ext cx="1" cy="224749"/>
+          </a:xfrm>
+          <a:prstGeom prst="line">
+            <a:avLst/>
+          </a:prstGeom>
+        </p:spPr>
+        <p:style>
+          <a:lnRef idx="2">
+            <a:schemeClr val="dk1"/>
+          </a:lnRef>
+          <a:fillRef idx="0">
+            <a:schemeClr val="dk1"/>
+          </a:fillRef>
+          <a:effectRef idx="1">
+            <a:schemeClr val="dk1"/>
+          </a:effectRef>
+          <a:fontRef idx="minor">
+            <a:schemeClr val="tx1"/>
+          </a:fontRef>
+        </p:style>
+      </p:cxnSp>
+      <p:sp>
+        <p:nvSpPr>
+          <p:cNvPr id="109" name="Rectángulo 108" descr="Nodo de cuarto nivel&#10;" title="Nodo04"/>
+          <p:cNvSpPr/>
+          <p:nvPr/>
+        </p:nvSpPr>
+        <p:spPr>
+          <a:xfrm>
+            <a:off x="2210074" y="4925816"/>
+            <a:ext cx="1635464" cy="325844"/>
+          </a:xfrm>
+          <a:prstGeom prst="rect">
+            <a:avLst/>
+          </a:prstGeom>
+          <a:solidFill>
+            <a:schemeClr val="bg1"/>
+          </a:solidFill>
+          <a:ln>
+            <a:solidFill>
+              <a:schemeClr val="tx1"/>
+            </a:solidFill>
+          </a:ln>
+        </p:spPr>
+        <p:style>
+          <a:lnRef idx="2">
+            <a:schemeClr val="accent6"/>
+          </a:lnRef>
+          <a:fillRef idx="1">
+            <a:schemeClr val="lt1"/>
+          </a:fillRef>
+          <a:effectRef idx="0">
+            <a:schemeClr val="accent6"/>
+          </a:effectRef>
+          <a:fontRef idx="minor">
+            <a:schemeClr val="dk1"/>
+          </a:fontRef>
+        </p:style>
+        <p:txBody>
+          <a:bodyPr rtlCol="0" anchor="ctr"/>
+          <a:lstStyle/>
+          <a:p>
+            <a:pPr algn="ctr"/>
             <a:r>
               <a:rPr lang="es-ES" sz="900" dirty="0" smtClean="0">
                 <a:solidFill>
                   <a:schemeClr val="tx1"/>
                 </a:solidFill>
               </a:rPr>
-              <a:t>Cambiáis</a:t>
-            </a:r>
-          </a:p>
-          <a:p>
-            <a:pPr marL="171450" indent="-171450">
-              <a:buFont typeface="Arial"/>
-              <a:buChar char="•"/>
-            </a:pPr>
-            <a:r>
-              <a:rPr lang="es-ES" sz="900" dirty="0" smtClean="0">
-                <a:solidFill>
-                  <a:schemeClr val="tx1"/>
-                </a:solidFill>
-              </a:rPr>
-              <a:t>Buey</a:t>
-            </a:r>
-          </a:p>
-          <a:p>
-            <a:pPr marL="171450" indent="-171450">
-              <a:buFont typeface="Arial"/>
-              <a:buChar char="•"/>
-            </a:pPr>
-            <a:r>
-              <a:rPr lang="es-ES" sz="900" dirty="0" smtClean="0">
-                <a:solidFill>
-                  <a:schemeClr val="tx1"/>
-                </a:solidFill>
-              </a:rPr>
-              <a:t>Cambiáis</a:t>
-            </a:r>
-          </a:p>
-          <a:p>
-            <a:pPr marL="171450" indent="-171450">
-              <a:buFont typeface="Arial"/>
-              <a:buChar char="•"/>
-            </a:pPr>
-            <a:r>
-              <a:rPr lang="es-ES" sz="900" dirty="0" smtClean="0">
-                <a:solidFill>
-                  <a:schemeClr val="tx1"/>
-                </a:solidFill>
-              </a:rPr>
-              <a:t>Paraguay</a:t>
-            </a:r>
-            <a:endParaRPr lang="es-ES" sz="900" dirty="0">
-              <a:solidFill>
-                <a:schemeClr val="tx1"/>
-              </a:solidFill>
-            </a:endParaRPr>
+              <a:t>Juana se vistió con su traje blanco</a:t>
+            </a:r>
           </a:p>
         </p:txBody>
       </p:sp>
       <p:sp>
         <p:nvSpPr>
-          <p:cNvPr id="292" name="CuadroTexto 221" descr="Conector entre nodos" title="conector"/>
+          <p:cNvPr id="110" name="CuadroTexto 109" descr="Conector entre nodos" title="conector"/>
           <p:cNvSpPr txBox="1"/>
           <p:nvPr/>
         </p:nvSpPr>
         <p:spPr>
           <a:xfrm>
-            <a:off x="6925649" y="2311836"/>
-            <a:ext cx="1117174" cy="230836"/>
+            <a:off x="2544135" y="4493866"/>
+            <a:ext cx="1348820" cy="230832"/>
           </a:xfrm>
           <a:prstGeom prst="rect">
             <a:avLst/>
@@ -4813,26 +5130,405 @@
             <a:pPr algn="ctr"/>
             <a:r>
               <a:rPr lang="es-ES" sz="900" dirty="0" smtClean="0"/>
-              <a:t>aparece cuando</a:t>
-            </a:r>
-            <a:endParaRPr lang="es-ES" sz="900" dirty="0"/>
+              <a:t> </a:t>
+            </a:r>
+            <a:r>
+              <a:rPr lang="es-ES" sz="800" dirty="0" smtClean="0"/>
+              <a:t>por ejemplo</a:t>
+            </a:r>
+            <a:endParaRPr lang="es-ES" sz="800" dirty="0"/>
           </a:p>
         </p:txBody>
       </p:sp>
       <p:cxnSp>
         <p:nvCxnSpPr>
-          <p:cNvPr id="293" name="Conector angular 222"/>
+          <p:cNvPr id="111" name="Conector recto 110"/>
           <p:cNvCxnSpPr/>
           <p:nvPr/>
         </p:nvCxnSpPr>
         <p:spPr>
+          <a:xfrm flipH="1">
+            <a:off x="3213172" y="4701067"/>
+            <a:ext cx="1" cy="224749"/>
+          </a:xfrm>
+          <a:prstGeom prst="line">
+            <a:avLst/>
+          </a:prstGeom>
+        </p:spPr>
+        <p:style>
+          <a:lnRef idx="2">
+            <a:schemeClr val="dk1"/>
+          </a:lnRef>
+          <a:fillRef idx="0">
+            <a:schemeClr val="dk1"/>
+          </a:fillRef>
+          <a:effectRef idx="1">
+            <a:schemeClr val="dk1"/>
+          </a:effectRef>
+          <a:fontRef idx="minor">
+            <a:schemeClr val="tx1"/>
+          </a:fontRef>
+        </p:style>
+      </p:cxnSp>
+      <p:cxnSp>
+        <p:nvCxnSpPr>
+          <p:cNvPr id="114" name="Conector recto 113"/>
+          <p:cNvCxnSpPr/>
+          <p:nvPr/>
+        </p:nvCxnSpPr>
+        <p:spPr>
+          <a:xfrm flipH="1">
+            <a:off x="5320658" y="3564277"/>
+            <a:ext cx="1" cy="224749"/>
+          </a:xfrm>
+          <a:prstGeom prst="line">
+            <a:avLst/>
+          </a:prstGeom>
+        </p:spPr>
+        <p:style>
+          <a:lnRef idx="2">
+            <a:schemeClr val="dk1"/>
+          </a:lnRef>
+          <a:fillRef idx="0">
+            <a:schemeClr val="dk1"/>
+          </a:fillRef>
+          <a:effectRef idx="1">
+            <a:schemeClr val="dk1"/>
+          </a:effectRef>
+          <a:fontRef idx="minor">
+            <a:schemeClr val="tx1"/>
+          </a:fontRef>
+        </p:style>
+      </p:cxnSp>
+      <p:sp>
+        <p:nvSpPr>
+          <p:cNvPr id="115" name="CuadroTexto 114" descr="Conector entre nodos" title="conector"/>
+          <p:cNvSpPr txBox="1"/>
+          <p:nvPr/>
+        </p:nvSpPr>
+        <p:spPr>
+          <a:xfrm>
+            <a:off x="4630267" y="3724258"/>
+            <a:ext cx="1348820" cy="230832"/>
+          </a:xfrm>
+          <a:prstGeom prst="rect">
+            <a:avLst/>
+          </a:prstGeom>
+          <a:noFill/>
+        </p:spPr>
+        <p:txBody>
+          <a:bodyPr wrap="square" rtlCol="0">
+            <a:spAutoFit/>
+          </a:bodyPr>
+          <a:lstStyle/>
+          <a:p>
+            <a:pPr algn="ctr"/>
+            <a:r>
+              <a:rPr lang="es-ES" sz="900" dirty="0" smtClean="0"/>
+              <a:t> </a:t>
+            </a:r>
+            <a:r>
+              <a:rPr lang="es-ES" sz="800" dirty="0" smtClean="0"/>
+              <a:t>por ejemplo</a:t>
+            </a:r>
+            <a:endParaRPr lang="es-ES" sz="800" dirty="0"/>
+          </a:p>
+        </p:txBody>
+      </p:sp>
+      <p:cxnSp>
+        <p:nvCxnSpPr>
+          <p:cNvPr id="116" name="Conector recto 115"/>
+          <p:cNvCxnSpPr/>
+          <p:nvPr/>
+        </p:nvCxnSpPr>
+        <p:spPr>
+          <a:xfrm flipH="1">
+            <a:off x="5322696" y="3965561"/>
+            <a:ext cx="1" cy="224749"/>
+          </a:xfrm>
+          <a:prstGeom prst="line">
+            <a:avLst/>
+          </a:prstGeom>
+        </p:spPr>
+        <p:style>
+          <a:lnRef idx="2">
+            <a:schemeClr val="dk1"/>
+          </a:lnRef>
+          <a:fillRef idx="0">
+            <a:schemeClr val="dk1"/>
+          </a:fillRef>
+          <a:effectRef idx="1">
+            <a:schemeClr val="dk1"/>
+          </a:effectRef>
+          <a:fontRef idx="minor">
+            <a:schemeClr val="tx1"/>
+          </a:fontRef>
+        </p:style>
+      </p:cxnSp>
+      <p:cxnSp>
+        <p:nvCxnSpPr>
+          <p:cNvPr id="48" name="Conector recto 47"/>
+          <p:cNvCxnSpPr/>
+          <p:nvPr/>
+        </p:nvCxnSpPr>
+        <p:spPr>
+          <a:xfrm>
+            <a:off x="7327324" y="2424272"/>
+            <a:ext cx="0" cy="438957"/>
+          </a:xfrm>
+          <a:prstGeom prst="line">
+            <a:avLst/>
+          </a:prstGeom>
+        </p:spPr>
+        <p:style>
+          <a:lnRef idx="2">
+            <a:schemeClr val="dk1"/>
+          </a:lnRef>
+          <a:fillRef idx="0">
+            <a:schemeClr val="dk1"/>
+          </a:fillRef>
+          <a:effectRef idx="1">
+            <a:schemeClr val="dk1"/>
+          </a:effectRef>
+          <a:fontRef idx="minor">
+            <a:schemeClr val="tx1"/>
+          </a:fontRef>
+        </p:style>
+      </p:cxnSp>
+      <p:cxnSp>
+        <p:nvCxnSpPr>
+          <p:cNvPr id="50" name="Conector recto 49"/>
+          <p:cNvCxnSpPr/>
+          <p:nvPr/>
+        </p:nvCxnSpPr>
+        <p:spPr>
+          <a:xfrm>
+            <a:off x="7311188" y="2863229"/>
+            <a:ext cx="323966" cy="0"/>
+          </a:xfrm>
+          <a:prstGeom prst="line">
+            <a:avLst/>
+          </a:prstGeom>
+        </p:spPr>
+        <p:style>
+          <a:lnRef idx="2">
+            <a:schemeClr val="dk1"/>
+          </a:lnRef>
+          <a:fillRef idx="0">
+            <a:schemeClr val="dk1"/>
+          </a:fillRef>
+          <a:effectRef idx="1">
+            <a:schemeClr val="dk1"/>
+          </a:effectRef>
+          <a:fontRef idx="minor">
+            <a:schemeClr val="tx1"/>
+          </a:fontRef>
+        </p:style>
+      </p:cxnSp>
+      <p:cxnSp>
+        <p:nvCxnSpPr>
+          <p:cNvPr id="52" name="Conector recto 51"/>
+          <p:cNvCxnSpPr/>
+          <p:nvPr/>
+        </p:nvCxnSpPr>
+        <p:spPr>
+          <a:xfrm flipH="1">
+            <a:off x="7626388" y="2864818"/>
+            <a:ext cx="7558" cy="438958"/>
+          </a:xfrm>
+          <a:prstGeom prst="line">
+            <a:avLst/>
+          </a:prstGeom>
+        </p:spPr>
+        <p:style>
+          <a:lnRef idx="2">
+            <a:schemeClr val="dk1"/>
+          </a:lnRef>
+          <a:fillRef idx="0">
+            <a:schemeClr val="dk1"/>
+          </a:fillRef>
+          <a:effectRef idx="1">
+            <a:schemeClr val="dk1"/>
+          </a:effectRef>
+          <a:fontRef idx="minor">
+            <a:schemeClr val="tx1"/>
+          </a:fontRef>
+        </p:style>
+      </p:cxnSp>
+      <p:sp>
+        <p:nvSpPr>
+          <p:cNvPr id="127" name="CuadroTexto 126" descr="Conector entre nodos" title="conector"/>
+          <p:cNvSpPr txBox="1"/>
+          <p:nvPr/>
+        </p:nvSpPr>
+        <p:spPr>
+          <a:xfrm>
+            <a:off x="6005178" y="3866018"/>
+            <a:ext cx="1348820" cy="230832"/>
+          </a:xfrm>
+          <a:prstGeom prst="rect">
+            <a:avLst/>
+          </a:prstGeom>
+          <a:noFill/>
+        </p:spPr>
+        <p:txBody>
+          <a:bodyPr wrap="square" rtlCol="0">
+            <a:spAutoFit/>
+          </a:bodyPr>
+          <a:lstStyle/>
+          <a:p>
+            <a:pPr algn="ctr"/>
+            <a:r>
+              <a:rPr lang="es-ES" sz="900" dirty="0" smtClean="0"/>
+              <a:t> </a:t>
+            </a:r>
+            <a:r>
+              <a:rPr lang="es-ES" sz="800" dirty="0" smtClean="0"/>
+              <a:t>por ejemplo</a:t>
+            </a:r>
+            <a:endParaRPr lang="es-ES" sz="800" dirty="0"/>
+          </a:p>
+        </p:txBody>
+      </p:sp>
+      <p:cxnSp>
+        <p:nvCxnSpPr>
+          <p:cNvPr id="128" name="Conector recto 127"/>
+          <p:cNvCxnSpPr/>
+          <p:nvPr/>
+        </p:nvCxnSpPr>
+        <p:spPr>
+          <a:xfrm flipH="1">
+            <a:off x="6699074" y="4077935"/>
+            <a:ext cx="1" cy="224749"/>
+          </a:xfrm>
+          <a:prstGeom prst="line">
+            <a:avLst/>
+          </a:prstGeom>
+        </p:spPr>
+        <p:style>
+          <a:lnRef idx="2">
+            <a:schemeClr val="dk1"/>
+          </a:lnRef>
+          <a:fillRef idx="0">
+            <a:schemeClr val="dk1"/>
+          </a:fillRef>
+          <a:effectRef idx="1">
+            <a:schemeClr val="dk1"/>
+          </a:effectRef>
+          <a:fontRef idx="minor">
+            <a:schemeClr val="tx1"/>
+          </a:fontRef>
+        </p:style>
+      </p:cxnSp>
+      <p:sp>
+        <p:nvSpPr>
+          <p:cNvPr id="129" name="CuadroTexto 128" descr="Conector entre nodos" title="conector"/>
+          <p:cNvSpPr txBox="1"/>
+          <p:nvPr/>
+        </p:nvSpPr>
+        <p:spPr>
+          <a:xfrm>
+            <a:off x="7028140" y="4445440"/>
+            <a:ext cx="1348820" cy="230832"/>
+          </a:xfrm>
+          <a:prstGeom prst="rect">
+            <a:avLst/>
+          </a:prstGeom>
+          <a:noFill/>
+        </p:spPr>
+        <p:txBody>
+          <a:bodyPr wrap="square" rtlCol="0">
+            <a:spAutoFit/>
+          </a:bodyPr>
+          <a:lstStyle/>
+          <a:p>
+            <a:pPr algn="ctr"/>
+            <a:r>
+              <a:rPr lang="es-ES" sz="900" dirty="0" smtClean="0"/>
+              <a:t> </a:t>
+            </a:r>
+            <a:r>
+              <a:rPr lang="es-ES" sz="800" dirty="0" smtClean="0"/>
+              <a:t>por ejemplo</a:t>
+            </a:r>
+            <a:endParaRPr lang="es-ES" sz="800" dirty="0"/>
+          </a:p>
+        </p:txBody>
+      </p:sp>
+      <p:cxnSp>
+        <p:nvCxnSpPr>
+          <p:cNvPr id="130" name="Conector recto 129"/>
+          <p:cNvCxnSpPr/>
+          <p:nvPr/>
+        </p:nvCxnSpPr>
+        <p:spPr>
+          <a:xfrm flipH="1">
+            <a:off x="7683500" y="4686433"/>
+            <a:ext cx="1" cy="224749"/>
+          </a:xfrm>
+          <a:prstGeom prst="line">
+            <a:avLst/>
+          </a:prstGeom>
+        </p:spPr>
+        <p:style>
+          <a:lnRef idx="2">
+            <a:schemeClr val="dk1"/>
+          </a:lnRef>
+          <a:fillRef idx="0">
+            <a:schemeClr val="dk1"/>
+          </a:fillRef>
+          <a:effectRef idx="1">
+            <a:schemeClr val="dk1"/>
+          </a:effectRef>
+          <a:fontRef idx="minor">
+            <a:schemeClr val="tx1"/>
+          </a:fontRef>
+        </p:style>
+      </p:cxnSp>
+      <p:cxnSp>
+        <p:nvCxnSpPr>
+          <p:cNvPr id="57" name="Conector recto 56"/>
+          <p:cNvCxnSpPr/>
+          <p:nvPr/>
+        </p:nvCxnSpPr>
+        <p:spPr>
+          <a:xfrm>
+            <a:off x="8376960" y="1319639"/>
+            <a:ext cx="0" cy="503110"/>
+          </a:xfrm>
+          <a:prstGeom prst="line">
+            <a:avLst/>
+          </a:prstGeom>
+        </p:spPr>
+        <p:style>
+          <a:lnRef idx="2">
+            <a:schemeClr val="dk1"/>
+          </a:lnRef>
+          <a:fillRef idx="0">
+            <a:schemeClr val="dk1"/>
+          </a:fillRef>
+          <a:effectRef idx="1">
+            <a:schemeClr val="dk1"/>
+          </a:effectRef>
+          <a:fontRef idx="minor">
+            <a:schemeClr val="tx1"/>
+          </a:fontRef>
+        </p:style>
+      </p:cxnSp>
+      <p:cxnSp>
+        <p:nvCxnSpPr>
+          <p:cNvPr id="136" name="Conector angular 222"/>
+          <p:cNvCxnSpPr/>
+          <p:nvPr/>
+        </p:nvCxnSpPr>
+        <p:spPr>
           <a:xfrm rot="5400000">
-            <a:off x="7449189" y="2270860"/>
+            <a:off x="8376597" y="2387591"/>
             <a:ext cx="143025" cy="876"/>
           </a:xfrm>
           <a:prstGeom prst="bentConnector3">
             <a:avLst>
-              <a:gd name="adj1" fmla="val 50000"/>
+              <a:gd name="adj1" fmla="val 76639"/>
             </a:avLst>
           </a:prstGeom>
           <a:ln w="12700">
@@ -4856,20 +5552,55 @@
           </a:fontRef>
         </p:style>
       </p:cxnSp>
+      <p:sp>
+        <p:nvSpPr>
+          <p:cNvPr id="139" name="CuadroTexto 221" descr="Conector entre nodos" title="conector"/>
+          <p:cNvSpPr txBox="1"/>
+          <p:nvPr/>
+        </p:nvSpPr>
+        <p:spPr>
+          <a:xfrm>
+            <a:off x="7921354" y="2436765"/>
+            <a:ext cx="1117174" cy="215444"/>
+          </a:xfrm>
+          <a:prstGeom prst="rect">
+            <a:avLst/>
+          </a:prstGeom>
+          <a:noFill/>
+        </p:spPr>
+        <p:txBody>
+          <a:bodyPr wrap="square" rtlCol="0">
+            <a:spAutoFit/>
+          </a:bodyPr>
+          <a:lstStyle/>
+          <a:p>
+            <a:pPr algn="ctr"/>
+            <a:r>
+              <a:rPr lang="es-ES" sz="800" dirty="0"/>
+              <a:t>t</a:t>
+            </a:r>
+            <a:r>
+              <a:rPr lang="es-ES" sz="800" dirty="0" smtClean="0"/>
+              <a:t>iene como propósito</a:t>
+            </a:r>
+            <a:endParaRPr lang="es-ES" sz="800" dirty="0"/>
+          </a:p>
+        </p:txBody>
+      </p:sp>
       <p:cxnSp>
         <p:nvCxnSpPr>
-          <p:cNvPr id="295" name="Conector angular 260"/>
+          <p:cNvPr id="144" name="Conector angular 259"/>
           <p:cNvCxnSpPr/>
           <p:nvPr/>
         </p:nvCxnSpPr>
         <p:spPr>
           <a:xfrm rot="16200000" flipH="1">
-            <a:off x="7347497" y="2764982"/>
-            <a:ext cx="787357" cy="478874"/>
+            <a:off x="8375671" y="2699231"/>
+            <a:ext cx="144000" cy="0"/>
           </a:xfrm>
           <a:prstGeom prst="bentConnector3">
             <a:avLst>
-              <a:gd name="adj1" fmla="val 55377"/>
+              <a:gd name="adj1" fmla="val 98507"/>
             </a:avLst>
           </a:prstGeom>
           <a:ln w="12700">
@@ -4893,53 +5624,16 @@
           </a:fontRef>
         </p:style>
       </p:cxnSp>
-      <p:cxnSp>
-        <p:nvCxnSpPr>
-          <p:cNvPr id="302" name="Conector angular 30"/>
-          <p:cNvCxnSpPr/>
-          <p:nvPr/>
-        </p:nvCxnSpPr>
-        <p:spPr>
-          <a:xfrm rot="16200000" flipH="1">
-            <a:off x="3373670" y="2178154"/>
-            <a:ext cx="85581" cy="2348"/>
-          </a:xfrm>
-          <a:prstGeom prst="bentConnector3">
-            <a:avLst>
-              <a:gd name="adj1" fmla="val -248595"/>
-            </a:avLst>
-          </a:prstGeom>
-          <a:ln w="12700">
-            <a:solidFill>
-              <a:schemeClr val="tx1"/>
-            </a:solidFill>
-          </a:ln>
-        </p:spPr>
-        <p:style>
-          <a:lnRef idx="1">
-            <a:schemeClr val="accent1"/>
-          </a:lnRef>
-          <a:fillRef idx="0">
-            <a:schemeClr val="accent1"/>
-          </a:fillRef>
-          <a:effectRef idx="0">
-            <a:schemeClr val="accent1"/>
-          </a:effectRef>
-          <a:fontRef idx="minor">
-            <a:schemeClr val="tx1"/>
-          </a:fontRef>
-        </p:style>
-      </p:cxnSp>
       <p:sp>
         <p:nvSpPr>
-          <p:cNvPr id="310" name="Rectángulo 283" descr="Nodo de tercer nivel" title="Nodo03"/>
+          <p:cNvPr id="146" name="Rectángulo 145" descr="Nodo de tercer nivel" title="Nodo03"/>
           <p:cNvSpPr/>
           <p:nvPr/>
         </p:nvSpPr>
         <p:spPr>
           <a:xfrm>
-            <a:off x="5441389" y="3111460"/>
-            <a:ext cx="1122431" cy="681835"/>
+            <a:off x="7980857" y="2761651"/>
+            <a:ext cx="1021476" cy="304098"/>
           </a:xfrm>
           <a:prstGeom prst="rect">
             <a:avLst/>
@@ -4980,7 +5674,7 @@
                   <a:schemeClr val="tx1"/>
                 </a:solidFill>
               </a:rPr>
-              <a:t>dos vocales seguidas pertenecen a una sola sílaba</a:t>
+              <a:t>dar a conocer un producto</a:t>
             </a:r>
             <a:endParaRPr lang="es-ES" sz="900" dirty="0">
               <a:solidFill>
@@ -4990,16 +5684,84 @@
           </a:p>
         </p:txBody>
       </p:sp>
+      <p:cxnSp>
+        <p:nvCxnSpPr>
+          <p:cNvPr id="147" name="Conector angular 259"/>
+          <p:cNvCxnSpPr/>
+          <p:nvPr/>
+        </p:nvCxnSpPr>
+        <p:spPr>
+          <a:xfrm rot="16200000" flipH="1">
+            <a:off x="8616971" y="3137282"/>
+            <a:ext cx="144000" cy="0"/>
+          </a:xfrm>
+          <a:prstGeom prst="bentConnector3">
+            <a:avLst>
+              <a:gd name="adj1" fmla="val 98507"/>
+            </a:avLst>
+          </a:prstGeom>
+          <a:ln w="12700">
+            <a:solidFill>
+              <a:schemeClr val="tx1"/>
+            </a:solidFill>
+          </a:ln>
+        </p:spPr>
+        <p:style>
+          <a:lnRef idx="1">
+            <a:schemeClr val="accent1"/>
+          </a:lnRef>
+          <a:fillRef idx="0">
+            <a:schemeClr val="accent1"/>
+          </a:fillRef>
+          <a:effectRef idx="0">
+            <a:schemeClr val="accent1"/>
+          </a:effectRef>
+          <a:fontRef idx="minor">
+            <a:schemeClr val="tx1"/>
+          </a:fontRef>
+        </p:style>
+      </p:cxnSp>
       <p:sp>
         <p:nvSpPr>
-          <p:cNvPr id="311" name="Rectángulo 307" descr="Nodo de cuarto nivel&#10;" title="Nodo04"/>
+          <p:cNvPr id="148" name="CuadroTexto 221" descr="Conector entre nodos" title="conector"/>
+          <p:cNvSpPr txBox="1"/>
+          <p:nvPr/>
+        </p:nvSpPr>
+        <p:spPr>
+          <a:xfrm>
+            <a:off x="8081446" y="3203619"/>
+            <a:ext cx="1117174" cy="215444"/>
+          </a:xfrm>
+          <a:prstGeom prst="rect">
+            <a:avLst/>
+          </a:prstGeom>
+          <a:noFill/>
+        </p:spPr>
+        <p:txBody>
+          <a:bodyPr wrap="square" rtlCol="0">
+            <a:spAutoFit/>
+          </a:bodyPr>
+          <a:lstStyle/>
+          <a:p>
+            <a:pPr algn="ctr"/>
+            <a:r>
+              <a:rPr lang="es-ES" sz="800" dirty="0" smtClean="0"/>
+              <a:t>para lo cual emplea</a:t>
+            </a:r>
+            <a:endParaRPr lang="es-ES" sz="800" dirty="0"/>
+          </a:p>
+        </p:txBody>
+      </p:sp>
+      <p:sp>
+        <p:nvSpPr>
+          <p:cNvPr id="149" name="Rectángulo 307" descr="Nodo de cuarto nivel&#10;" title="Nodo04"/>
           <p:cNvSpPr/>
           <p:nvPr/>
         </p:nvSpPr>
         <p:spPr>
           <a:xfrm>
-            <a:off x="5473420" y="4207934"/>
-            <a:ext cx="1122431" cy="1227666"/>
+            <a:off x="8215311" y="3617158"/>
+            <a:ext cx="842018" cy="1308657"/>
           </a:xfrm>
           <a:prstGeom prst="rect">
             <a:avLst/>
@@ -5035,13 +5797,24 @@
               <a:buFont typeface="Arial"/>
               <a:buChar char="•"/>
             </a:pPr>
+            <a:endParaRPr lang="es-ES" sz="900" dirty="0" smtClean="0">
+              <a:solidFill>
+                <a:schemeClr val="tx1"/>
+              </a:solidFill>
+            </a:endParaRPr>
+          </a:p>
+          <a:p>
+            <a:pPr marL="171450" indent="-171450">
+              <a:buFont typeface="Arial"/>
+              <a:buChar char="•"/>
+            </a:pPr>
             <a:r>
               <a:rPr lang="es-ES" sz="900" dirty="0" smtClean="0">
                 <a:solidFill>
                   <a:schemeClr val="tx1"/>
                 </a:solidFill>
               </a:rPr>
-              <a:t>Escualo</a:t>
+              <a:t>imágenes</a:t>
             </a:r>
           </a:p>
           <a:p>
@@ -5055,7 +5828,7 @@
                   <a:schemeClr val="tx1"/>
                 </a:solidFill>
               </a:rPr>
-              <a:t>Duelo</a:t>
+              <a:t>colores</a:t>
             </a:r>
           </a:p>
           <a:p>
@@ -5063,13 +5836,21 @@
               <a:buFont typeface="Arial"/>
               <a:buChar char="•"/>
             </a:pPr>
+            <a:r>
+              <a:rPr lang="es-ES" sz="900" dirty="0">
+                <a:solidFill>
+                  <a:schemeClr val="tx1"/>
+                </a:solidFill>
+              </a:rPr>
+              <a:t>t</a:t>
+            </a:r>
             <a:r>
               <a:rPr lang="es-ES" sz="900" dirty="0" smtClean="0">
                 <a:solidFill>
                   <a:schemeClr val="tx1"/>
                 </a:solidFill>
               </a:rPr>
-              <a:t>Bailar</a:t>
+              <a:t>ipografía llamativa</a:t>
             </a:r>
           </a:p>
           <a:p>
@@ -5077,27 +5858,48 @@
               <a:buFont typeface="Arial"/>
               <a:buChar char="•"/>
             </a:pPr>
+            <a:r>
+              <a:rPr lang="es-ES" sz="900" dirty="0">
+                <a:solidFill>
+                  <a:schemeClr val="tx1"/>
+                </a:solidFill>
+              </a:rPr>
+              <a:t>e</a:t>
+            </a:r>
             <a:r>
               <a:rPr lang="es-ES" sz="900" dirty="0" smtClean="0">
                 <a:solidFill>
                   <a:schemeClr val="tx1"/>
                 </a:solidFill>
               </a:rPr>
-              <a:t>Camión</a:t>
-            </a:r>
+              <a:t>slogan</a:t>
+            </a:r>
+            <a:endParaRPr lang="es-ES" sz="900" dirty="0">
+              <a:solidFill>
+                <a:schemeClr val="tx1"/>
+              </a:solidFill>
+            </a:endParaRPr>
           </a:p>
           <a:p>
             <a:pPr marL="171450" indent="-171450">
               <a:buFont typeface="Arial"/>
               <a:buChar char="•"/>
             </a:pPr>
+            <a:r>
+              <a:rPr lang="es-ES" sz="900" dirty="0">
+                <a:solidFill>
+                  <a:schemeClr val="tx1"/>
+                </a:solidFill>
+              </a:rPr>
+              <a:t>l</a:t>
+            </a:r>
             <a:r>
               <a:rPr lang="es-ES" sz="900" dirty="0" smtClean="0">
                 <a:solidFill>
                   <a:schemeClr val="tx1"/>
                 </a:solidFill>
               </a:rPr>
-              <a:t>Cuidado</a:t>
+              <a:t>ogotipo</a:t>
             </a:r>
           </a:p>
           <a:p>
@@ -5111,8 +5913,21 @@
                   <a:schemeClr val="tx1"/>
                 </a:solidFill>
               </a:rPr>
-              <a:t>Cuéntame</a:t>
-            </a:r>
+              <a:t>mensaje</a:t>
+            </a:r>
+          </a:p>
+          <a:p>
+            <a:pPr marL="171450" indent="-171450">
+              <a:buFont typeface="Arial"/>
+              <a:buChar char="•"/>
+            </a:pPr>
+            <a:endParaRPr lang="es-ES" sz="900" dirty="0" smtClean="0">
+              <a:solidFill>
+                <a:schemeClr val="tx1"/>
+              </a:solidFill>
+            </a:endParaRPr>
+          </a:p>
+          <a:p>
             <a:endParaRPr lang="es-ES" sz="900" dirty="0">
               <a:solidFill>
                 <a:schemeClr val="tx1"/>
@@ -5123,254 +5938,28 @@
       </p:sp>
       <p:cxnSp>
         <p:nvCxnSpPr>
-          <p:cNvPr id="312" name="Conector angular 222"/>
+          <p:cNvPr id="258" name="Conector recto 257"/>
           <p:cNvCxnSpPr/>
           <p:nvPr/>
         </p:nvCxnSpPr>
         <p:spPr>
-          <a:xfrm rot="16200000" flipH="1">
-            <a:off x="7036730" y="4021359"/>
-            <a:ext cx="324000" cy="0"/>
-          </a:xfrm>
-          <a:prstGeom prst="bentConnector3">
-            <a:avLst>
-              <a:gd name="adj1" fmla="val 50000"/>
-            </a:avLst>
-          </a:prstGeom>
-          <a:ln w="12700">
-            <a:solidFill>
-              <a:schemeClr val="tx1"/>
-            </a:solidFill>
-          </a:ln>
-        </p:spPr>
-        <p:style>
-          <a:lnRef idx="1">
-            <a:schemeClr val="accent1"/>
+          <a:xfrm flipH="1">
+            <a:off x="8688971" y="3432514"/>
+            <a:ext cx="3713" cy="198096"/>
+          </a:xfrm>
+          <a:prstGeom prst="line">
+            <a:avLst/>
+          </a:prstGeom>
+        </p:spPr>
+        <p:style>
+          <a:lnRef idx="2">
+            <a:schemeClr val="dk1"/>
           </a:lnRef>
           <a:fillRef idx="0">
-            <a:schemeClr val="accent1"/>
-          </a:fillRef>
-          <a:effectRef idx="0">
-            <a:schemeClr val="accent1"/>
-          </a:effectRef>
-          <a:fontRef idx="minor">
-            <a:schemeClr val="tx1"/>
-          </a:fontRef>
-        </p:style>
-      </p:cxnSp>
-      <p:cxnSp>
-        <p:nvCxnSpPr>
-          <p:cNvPr id="313" name="Conector angular 259"/>
-          <p:cNvCxnSpPr/>
-          <p:nvPr/>
-        </p:nvCxnSpPr>
-        <p:spPr>
-          <a:xfrm rot="16200000" flipH="1">
-            <a:off x="5476402" y="2263529"/>
-            <a:ext cx="144000" cy="0"/>
-          </a:xfrm>
-          <a:prstGeom prst="bentConnector3">
-            <a:avLst>
-              <a:gd name="adj1" fmla="val 50000"/>
-            </a:avLst>
-          </a:prstGeom>
-          <a:ln w="12700">
-            <a:solidFill>
-              <a:schemeClr val="tx1"/>
-            </a:solidFill>
-          </a:ln>
-        </p:spPr>
-        <p:style>
-          <a:lnRef idx="1">
-            <a:schemeClr val="accent1"/>
-          </a:lnRef>
-          <a:fillRef idx="0">
-            <a:schemeClr val="accent1"/>
-          </a:fillRef>
-          <a:effectRef idx="0">
-            <a:schemeClr val="accent1"/>
-          </a:effectRef>
-          <a:fontRef idx="minor">
-            <a:schemeClr val="tx1"/>
-          </a:fontRef>
-        </p:style>
-      </p:cxnSp>
-      <p:cxnSp>
-        <p:nvCxnSpPr>
-          <p:cNvPr id="73" name="Conector angular 222"/>
-          <p:cNvCxnSpPr>
-            <a:stCxn id="310" idx="2"/>
-            <a:endCxn id="311" idx="0"/>
-          </p:cNvCxnSpPr>
-          <p:nvPr/>
-        </p:nvCxnSpPr>
-        <p:spPr>
-          <a:xfrm rot="16200000" flipH="1">
-            <a:off x="5795285" y="4000613"/>
-            <a:ext cx="414639" cy="0"/>
-          </a:xfrm>
-          <a:prstGeom prst="bentConnector3">
-            <a:avLst>
-              <a:gd name="adj1" fmla="val 56126"/>
-            </a:avLst>
-          </a:prstGeom>
-          <a:ln w="12700">
-            <a:solidFill>
-              <a:schemeClr val="tx1"/>
-            </a:solidFill>
-          </a:ln>
-        </p:spPr>
-        <p:style>
-          <a:lnRef idx="1">
-            <a:schemeClr val="accent1"/>
-          </a:lnRef>
-          <a:fillRef idx="0">
-            <a:schemeClr val="accent1"/>
-          </a:fillRef>
-          <a:effectRef idx="0">
-            <a:schemeClr val="accent1"/>
-          </a:effectRef>
-          <a:fontRef idx="minor">
-            <a:schemeClr val="tx1"/>
-          </a:fontRef>
-        </p:style>
-      </p:cxnSp>
-      <p:sp>
-        <p:nvSpPr>
-          <p:cNvPr id="87" name="CuadroTexto 221" descr="Conector entre nodos" title="conector"/>
-          <p:cNvSpPr txBox="1"/>
-          <p:nvPr/>
-        </p:nvSpPr>
-        <p:spPr>
-          <a:xfrm>
-            <a:off x="4597400" y="2361190"/>
-            <a:ext cx="1259514" cy="230832"/>
-          </a:xfrm>
-          <a:prstGeom prst="rect">
-            <a:avLst/>
-          </a:prstGeom>
-          <a:noFill/>
-        </p:spPr>
-        <p:txBody>
-          <a:bodyPr wrap="square" rtlCol="0">
-            <a:spAutoFit/>
-          </a:bodyPr>
-          <a:lstStyle/>
-          <a:p>
-            <a:pPr algn="ctr"/>
-            <a:r>
-              <a:rPr lang="es-ES" sz="900" dirty="0" smtClean="0"/>
-              <a:t>                 cada vez que</a:t>
-            </a:r>
-            <a:endParaRPr lang="es-ES" sz="900" dirty="0"/>
-          </a:p>
-        </p:txBody>
-      </p:sp>
-      <p:cxnSp>
-        <p:nvCxnSpPr>
-          <p:cNvPr id="90" name="Conector angular 222"/>
-          <p:cNvCxnSpPr/>
-          <p:nvPr/>
-        </p:nvCxnSpPr>
-        <p:spPr>
-          <a:xfrm rot="16200000" flipH="1">
-            <a:off x="8403026" y="4474748"/>
-            <a:ext cx="414639" cy="0"/>
-          </a:xfrm>
-          <a:prstGeom prst="bentConnector3">
-            <a:avLst>
-              <a:gd name="adj1" fmla="val 56126"/>
-            </a:avLst>
-          </a:prstGeom>
-          <a:ln w="12700">
-            <a:solidFill>
-              <a:schemeClr val="tx1"/>
-            </a:solidFill>
-          </a:ln>
-        </p:spPr>
-        <p:style>
-          <a:lnRef idx="1">
-            <a:schemeClr val="accent1"/>
-          </a:lnRef>
-          <a:fillRef idx="0">
-            <a:schemeClr val="accent1"/>
-          </a:fillRef>
-          <a:effectRef idx="0">
-            <a:schemeClr val="accent1"/>
-          </a:effectRef>
-          <a:fontRef idx="minor">
-            <a:schemeClr val="tx1"/>
-          </a:fontRef>
-        </p:style>
-      </p:cxnSp>
-      <p:cxnSp>
-        <p:nvCxnSpPr>
-          <p:cNvPr id="92" name="Conector angular 222"/>
-          <p:cNvCxnSpPr/>
-          <p:nvPr/>
-        </p:nvCxnSpPr>
-        <p:spPr>
-          <a:xfrm rot="5400000">
-            <a:off x="8583761" y="1695098"/>
-            <a:ext cx="143025" cy="876"/>
-          </a:xfrm>
-          <a:prstGeom prst="bentConnector3">
-            <a:avLst>
-              <a:gd name="adj1" fmla="val 50000"/>
-            </a:avLst>
-          </a:prstGeom>
-          <a:ln w="12700">
-            <a:solidFill>
-              <a:schemeClr val="tx1"/>
-            </a:solidFill>
-          </a:ln>
-        </p:spPr>
-        <p:style>
-          <a:lnRef idx="1">
-            <a:schemeClr val="accent1"/>
-          </a:lnRef>
-          <a:fillRef idx="0">
-            <a:schemeClr val="accent1"/>
-          </a:fillRef>
-          <a:effectRef idx="0">
-            <a:schemeClr val="accent1"/>
-          </a:effectRef>
-          <a:fontRef idx="minor">
-            <a:schemeClr val="tx1"/>
-          </a:fontRef>
-        </p:style>
-      </p:cxnSp>
-      <p:cxnSp>
-        <p:nvCxnSpPr>
-          <p:cNvPr id="94" name="Conector angular 259"/>
-          <p:cNvCxnSpPr/>
-          <p:nvPr/>
-        </p:nvCxnSpPr>
-        <p:spPr>
-          <a:xfrm rot="5400000">
-            <a:off x="5291606" y="2842004"/>
-            <a:ext cx="547461" cy="0"/>
-          </a:xfrm>
-          <a:prstGeom prst="bentConnector3">
-            <a:avLst>
-              <a:gd name="adj1" fmla="val 50000"/>
-            </a:avLst>
-          </a:prstGeom>
-          <a:ln w="12700">
-            <a:solidFill>
-              <a:schemeClr val="tx1"/>
-            </a:solidFill>
-          </a:ln>
-        </p:spPr>
-        <p:style>
-          <a:lnRef idx="1">
-            <a:schemeClr val="accent1"/>
-          </a:lnRef>
-          <a:fillRef idx="0">
-            <a:schemeClr val="accent1"/>
-          </a:fillRef>
-          <a:effectRef idx="0">
-            <a:schemeClr val="accent1"/>
+            <a:schemeClr val="dk1"/>
+          </a:fillRef>
+          <a:effectRef idx="1">
+            <a:schemeClr val="dk1"/>
           </a:effectRef>
           <a:fontRef idx="minor">
             <a:schemeClr val="tx1"/>
